--- a/Slide.pptx
+++ b/Slide.pptx
@@ -8,10 +8,12 @@
     <p:sldId id="256" r:id="rId2"/>
     <p:sldId id="257" r:id="rId3"/>
     <p:sldId id="258" r:id="rId4"/>
-    <p:sldId id="259" r:id="rId5"/>
-    <p:sldId id="260" r:id="rId6"/>
-    <p:sldId id="261" r:id="rId7"/>
-    <p:sldId id="262" r:id="rId8"/>
+    <p:sldId id="263" r:id="rId5"/>
+    <p:sldId id="264" r:id="rId6"/>
+    <p:sldId id="259" r:id="rId7"/>
+    <p:sldId id="260" r:id="rId8"/>
+    <p:sldId id="261" r:id="rId9"/>
+    <p:sldId id="262" r:id="rId10"/>
   </p:sldIdLst>
   <p:sldSz cx="12192000" cy="6858000"/>
   <p:notesSz cx="6858000" cy="9144000"/>
@@ -265,7 +267,7 @@
           <a:p>
             <a:fld id="{C664B636-2587-524A-B764-235F773F446F}" type="datetimeFigureOut">
               <a:rPr lang="en-US" smtClean="0"/>
-              <a:t>8/6/21</a:t>
+              <a:t>8/7/21</a:t>
             </a:fld>
             <a:endParaRPr lang="en-US"/>
           </a:p>
@@ -463,7 +465,7 @@
           <a:p>
             <a:fld id="{C664B636-2587-524A-B764-235F773F446F}" type="datetimeFigureOut">
               <a:rPr lang="en-US" smtClean="0"/>
-              <a:t>8/6/21</a:t>
+              <a:t>8/7/21</a:t>
             </a:fld>
             <a:endParaRPr lang="en-US"/>
           </a:p>
@@ -671,7 +673,7 @@
           <a:p>
             <a:fld id="{C664B636-2587-524A-B764-235F773F446F}" type="datetimeFigureOut">
               <a:rPr lang="en-US" smtClean="0"/>
-              <a:t>8/6/21</a:t>
+              <a:t>8/7/21</a:t>
             </a:fld>
             <a:endParaRPr lang="en-US"/>
           </a:p>
@@ -869,7 +871,7 @@
           <a:p>
             <a:fld id="{C664B636-2587-524A-B764-235F773F446F}" type="datetimeFigureOut">
               <a:rPr lang="en-US" smtClean="0"/>
-              <a:t>8/6/21</a:t>
+              <a:t>8/7/21</a:t>
             </a:fld>
             <a:endParaRPr lang="en-US"/>
           </a:p>
@@ -1144,7 +1146,7 @@
           <a:p>
             <a:fld id="{C664B636-2587-524A-B764-235F773F446F}" type="datetimeFigureOut">
               <a:rPr lang="en-US" smtClean="0"/>
-              <a:t>8/6/21</a:t>
+              <a:t>8/7/21</a:t>
             </a:fld>
             <a:endParaRPr lang="en-US"/>
           </a:p>
@@ -1409,7 +1411,7 @@
           <a:p>
             <a:fld id="{C664B636-2587-524A-B764-235F773F446F}" type="datetimeFigureOut">
               <a:rPr lang="en-US" smtClean="0"/>
-              <a:t>8/6/21</a:t>
+              <a:t>8/7/21</a:t>
             </a:fld>
             <a:endParaRPr lang="en-US"/>
           </a:p>
@@ -1821,7 +1823,7 @@
           <a:p>
             <a:fld id="{C664B636-2587-524A-B764-235F773F446F}" type="datetimeFigureOut">
               <a:rPr lang="en-US" smtClean="0"/>
-              <a:t>8/6/21</a:t>
+              <a:t>8/7/21</a:t>
             </a:fld>
             <a:endParaRPr lang="en-US"/>
           </a:p>
@@ -1962,7 +1964,7 @@
           <a:p>
             <a:fld id="{C664B636-2587-524A-B764-235F773F446F}" type="datetimeFigureOut">
               <a:rPr lang="en-US" smtClean="0"/>
-              <a:t>8/6/21</a:t>
+              <a:t>8/7/21</a:t>
             </a:fld>
             <a:endParaRPr lang="en-US"/>
           </a:p>
@@ -2075,7 +2077,7 @@
           <a:p>
             <a:fld id="{C664B636-2587-524A-B764-235F773F446F}" type="datetimeFigureOut">
               <a:rPr lang="en-US" smtClean="0"/>
-              <a:t>8/6/21</a:t>
+              <a:t>8/7/21</a:t>
             </a:fld>
             <a:endParaRPr lang="en-US"/>
           </a:p>
@@ -2386,7 +2388,7 @@
           <a:p>
             <a:fld id="{C664B636-2587-524A-B764-235F773F446F}" type="datetimeFigureOut">
               <a:rPr lang="en-US" smtClean="0"/>
-              <a:t>8/6/21</a:t>
+              <a:t>8/7/21</a:t>
             </a:fld>
             <a:endParaRPr lang="en-US"/>
           </a:p>
@@ -2674,7 +2676,7 @@
           <a:p>
             <a:fld id="{C664B636-2587-524A-B764-235F773F446F}" type="datetimeFigureOut">
               <a:rPr lang="en-US" smtClean="0"/>
-              <a:t>8/6/21</a:t>
+              <a:t>8/7/21</a:t>
             </a:fld>
             <a:endParaRPr lang="en-US"/>
           </a:p>
@@ -2915,7 +2917,7 @@
           <a:p>
             <a:fld id="{C664B636-2587-524A-B764-235F773F446F}" type="datetimeFigureOut">
               <a:rPr lang="en-US" smtClean="0"/>
-              <a:t>8/6/21</a:t>
+              <a:t>8/7/21</a:t>
             </a:fld>
             <a:endParaRPr lang="en-US"/>
           </a:p>
@@ -6185,6 +6187,2056 @@
           <p:cNvPr id="2" name="Title 1">
             <a:extLst>
               <a:ext uri="{FF2B5EF4-FFF2-40B4-BE49-F238E27FC236}">
+                <a16:creationId xmlns:a16="http://schemas.microsoft.com/office/drawing/2014/main" id="{CC9025B6-F6B3-4349-922A-A37C23AE9C20}"/>
+              </a:ext>
+            </a:extLst>
+          </p:cNvPr>
+          <p:cNvSpPr>
+            <a:spLocks noGrp="1"/>
+          </p:cNvSpPr>
+          <p:nvPr>
+            <p:ph type="title"/>
+          </p:nvPr>
+        </p:nvSpPr>
+        <p:spPr/>
+        <p:txBody>
+          <a:bodyPr>
+            <a:normAutofit/>
+          </a:bodyPr>
+          <a:lstStyle/>
+          <a:p>
+            <a:r>
+              <a:rPr lang="en-US" sz="3600" dirty="0"/>
+              <a:t>New model</a:t>
+            </a:r>
+          </a:p>
+        </p:txBody>
+      </p:sp>
+      <p:sp>
+        <p:nvSpPr>
+          <p:cNvPr id="4" name="TextBox 3">
+            <a:extLst>
+              <a:ext uri="{FF2B5EF4-FFF2-40B4-BE49-F238E27FC236}">
+                <a16:creationId xmlns:a16="http://schemas.microsoft.com/office/drawing/2014/main" id="{8925EBDB-801A-AE43-B6C6-D4B265CC876C}"/>
+              </a:ext>
+            </a:extLst>
+          </p:cNvPr>
+          <p:cNvSpPr txBox="1"/>
+          <p:nvPr/>
+        </p:nvSpPr>
+        <p:spPr>
+          <a:xfrm>
+            <a:off x="1051034" y="1584020"/>
+            <a:ext cx="3935244" cy="369332"/>
+          </a:xfrm>
+          <a:prstGeom prst="rect">
+            <a:avLst/>
+          </a:prstGeom>
+          <a:noFill/>
+        </p:spPr>
+        <p:txBody>
+          <a:bodyPr wrap="none" rtlCol="0">
+            <a:spAutoFit/>
+          </a:bodyPr>
+          <a:lstStyle/>
+          <a:p>
+            <a:r>
+              <a:rPr lang="en-US" dirty="0"/>
+              <a:t>Train period : 2016-02-29 to 2017-04-30</a:t>
+            </a:r>
+          </a:p>
+        </p:txBody>
+      </p:sp>
+      <p:graphicFrame>
+        <p:nvGraphicFramePr>
+          <p:cNvPr id="5" name="Table 5">
+            <a:extLst>
+              <a:ext uri="{FF2B5EF4-FFF2-40B4-BE49-F238E27FC236}">
+                <a16:creationId xmlns:a16="http://schemas.microsoft.com/office/drawing/2014/main" id="{D899A852-BBE0-3141-B857-C09D789E51CE}"/>
+              </a:ext>
+            </a:extLst>
+          </p:cNvPr>
+          <p:cNvGraphicFramePr>
+            <a:graphicFrameLocks noGrp="1"/>
+          </p:cNvGraphicFramePr>
+          <p:nvPr>
+            <p:extLst>
+              <p:ext uri="{D42A27DB-BD31-4B8C-83A1-F6EECF244321}">
+                <p14:modId xmlns:p14="http://schemas.microsoft.com/office/powerpoint/2010/main" val="2938349404"/>
+              </p:ext>
+            </p:extLst>
+          </p:nvPr>
+        </p:nvGraphicFramePr>
+        <p:xfrm>
+          <a:off x="1166648" y="2118268"/>
+          <a:ext cx="3195146" cy="951918"/>
+        </p:xfrm>
+        <a:graphic>
+          <a:graphicData uri="http://schemas.openxmlformats.org/drawingml/2006/table">
+            <a:tbl>
+              <a:tblPr firstRow="1" bandRow="1">
+                <a:tableStyleId>{5940675A-B579-460E-94D1-54222C63F5DA}</a:tableStyleId>
+              </a:tblPr>
+              <a:tblGrid>
+                <a:gridCol w="1597573">
+                  <a:extLst>
+                    <a:ext uri="{9D8B030D-6E8A-4147-A177-3AD203B41FA5}">
+                      <a16:colId xmlns:a16="http://schemas.microsoft.com/office/drawing/2014/main" val="2634844869"/>
+                    </a:ext>
+                  </a:extLst>
+                </a:gridCol>
+                <a:gridCol w="1597573">
+                  <a:extLst>
+                    <a:ext uri="{9D8B030D-6E8A-4147-A177-3AD203B41FA5}">
+                      <a16:colId xmlns:a16="http://schemas.microsoft.com/office/drawing/2014/main" val="2870402623"/>
+                    </a:ext>
+                  </a:extLst>
+                </a:gridCol>
+              </a:tblGrid>
+              <a:tr h="317306">
+                <a:tc>
+                  <a:txBody>
+                    <a:bodyPr/>
+                    <a:lstStyle/>
+                    <a:p>
+                      <a:r>
+                        <a:rPr lang="en-US" sz="1400" dirty="0"/>
+                        <a:t>Target (infected)</a:t>
+                      </a:r>
+                    </a:p>
+                  </a:txBody>
+                  <a:tcPr/>
+                </a:tc>
+                <a:tc>
+                  <a:txBody>
+                    <a:bodyPr/>
+                    <a:lstStyle/>
+                    <a:p>
+                      <a:r>
+                        <a:rPr lang="en-US" sz="1400" dirty="0"/>
+                        <a:t>count</a:t>
+                      </a:r>
+                    </a:p>
+                  </a:txBody>
+                  <a:tcPr/>
+                </a:tc>
+                <a:extLst>
+                  <a:ext uri="{0D108BD9-81ED-4DB2-BD59-A6C34878D82A}">
+                    <a16:rowId xmlns:a16="http://schemas.microsoft.com/office/drawing/2014/main" val="1027956728"/>
+                  </a:ext>
+                </a:extLst>
+              </a:tr>
+              <a:tr h="317306">
+                <a:tc>
+                  <a:txBody>
+                    <a:bodyPr/>
+                    <a:lstStyle/>
+                    <a:p>
+                      <a:r>
+                        <a:rPr lang="en-US" sz="1400" dirty="0"/>
+                        <a:t>0</a:t>
+                      </a:r>
+                    </a:p>
+                  </a:txBody>
+                  <a:tcPr/>
+                </a:tc>
+                <a:tc>
+                  <a:txBody>
+                    <a:bodyPr/>
+                    <a:lstStyle/>
+                    <a:p>
+                      <a:r>
+                        <a:rPr lang="en-US" sz="1400" b="0" kern="1200" dirty="0">
+                          <a:solidFill>
+                            <a:schemeClr val="dk1"/>
+                          </a:solidFill>
+                          <a:effectLst/>
+                        </a:rPr>
+                        <a:t>5565</a:t>
+                      </a:r>
+                      <a:endParaRPr lang="en-US" sz="1400" dirty="0"/>
+                    </a:p>
+                  </a:txBody>
+                  <a:tcPr/>
+                </a:tc>
+                <a:extLst>
+                  <a:ext uri="{0D108BD9-81ED-4DB2-BD59-A6C34878D82A}">
+                    <a16:rowId xmlns:a16="http://schemas.microsoft.com/office/drawing/2014/main" val="1684182507"/>
+                  </a:ext>
+                </a:extLst>
+              </a:tr>
+              <a:tr h="317306">
+                <a:tc>
+                  <a:txBody>
+                    <a:bodyPr/>
+                    <a:lstStyle/>
+                    <a:p>
+                      <a:r>
+                        <a:rPr lang="en-US" sz="1400" dirty="0"/>
+                        <a:t>1</a:t>
+                      </a:r>
+                    </a:p>
+                  </a:txBody>
+                  <a:tcPr/>
+                </a:tc>
+                <a:tc>
+                  <a:txBody>
+                    <a:bodyPr/>
+                    <a:lstStyle/>
+                    <a:p>
+                      <a:r>
+                        <a:rPr lang="en-US" sz="1400" b="0" kern="1200" dirty="0">
+                          <a:solidFill>
+                            <a:schemeClr val="dk1"/>
+                          </a:solidFill>
+                          <a:effectLst/>
+                        </a:rPr>
+                        <a:t>1602</a:t>
+                      </a:r>
+                      <a:endParaRPr lang="en-US" sz="1400" dirty="0"/>
+                    </a:p>
+                  </a:txBody>
+                  <a:tcPr/>
+                </a:tc>
+                <a:extLst>
+                  <a:ext uri="{0D108BD9-81ED-4DB2-BD59-A6C34878D82A}">
+                    <a16:rowId xmlns:a16="http://schemas.microsoft.com/office/drawing/2014/main" val="1087358983"/>
+                  </a:ext>
+                </a:extLst>
+              </a:tr>
+            </a:tbl>
+          </a:graphicData>
+        </a:graphic>
+      </p:graphicFrame>
+      <p:sp>
+        <p:nvSpPr>
+          <p:cNvPr id="6" name="TextBox 5">
+            <a:extLst>
+              <a:ext uri="{FF2B5EF4-FFF2-40B4-BE49-F238E27FC236}">
+                <a16:creationId xmlns:a16="http://schemas.microsoft.com/office/drawing/2014/main" id="{DA7984B1-ABE2-954D-9149-1B53B5570BE5}"/>
+              </a:ext>
+            </a:extLst>
+          </p:cNvPr>
+          <p:cNvSpPr txBox="1"/>
+          <p:nvPr/>
+        </p:nvSpPr>
+        <p:spPr>
+          <a:xfrm>
+            <a:off x="1051034" y="3241093"/>
+            <a:ext cx="6202788" cy="369332"/>
+          </a:xfrm>
+          <a:prstGeom prst="rect">
+            <a:avLst/>
+          </a:prstGeom>
+          <a:noFill/>
+        </p:spPr>
+        <p:txBody>
+          <a:bodyPr wrap="none" rtlCol="0">
+            <a:spAutoFit/>
+          </a:bodyPr>
+          <a:lstStyle/>
+          <a:p>
+            <a:r>
+              <a:rPr lang="en-US" dirty="0"/>
+              <a:t>Validation period : 2016-02-29 to 2017-04-30 with sample of 0.4</a:t>
+            </a:r>
+          </a:p>
+        </p:txBody>
+      </p:sp>
+      <p:graphicFrame>
+        <p:nvGraphicFramePr>
+          <p:cNvPr id="7" name="Table 5">
+            <a:extLst>
+              <a:ext uri="{FF2B5EF4-FFF2-40B4-BE49-F238E27FC236}">
+                <a16:creationId xmlns:a16="http://schemas.microsoft.com/office/drawing/2014/main" id="{C35BA112-3316-5A4C-8E24-35D510432C62}"/>
+              </a:ext>
+            </a:extLst>
+          </p:cNvPr>
+          <p:cNvGraphicFramePr>
+            <a:graphicFrameLocks noGrp="1"/>
+          </p:cNvGraphicFramePr>
+          <p:nvPr>
+            <p:extLst>
+              <p:ext uri="{D42A27DB-BD31-4B8C-83A1-F6EECF244321}">
+                <p14:modId xmlns:p14="http://schemas.microsoft.com/office/powerpoint/2010/main" val="2907801046"/>
+              </p:ext>
+            </p:extLst>
+          </p:nvPr>
+        </p:nvGraphicFramePr>
+        <p:xfrm>
+          <a:off x="1166648" y="3781332"/>
+          <a:ext cx="3195146" cy="951918"/>
+        </p:xfrm>
+        <a:graphic>
+          <a:graphicData uri="http://schemas.openxmlformats.org/drawingml/2006/table">
+            <a:tbl>
+              <a:tblPr firstRow="1" bandRow="1">
+                <a:tableStyleId>{5940675A-B579-460E-94D1-54222C63F5DA}</a:tableStyleId>
+              </a:tblPr>
+              <a:tblGrid>
+                <a:gridCol w="1597573">
+                  <a:extLst>
+                    <a:ext uri="{9D8B030D-6E8A-4147-A177-3AD203B41FA5}">
+                      <a16:colId xmlns:a16="http://schemas.microsoft.com/office/drawing/2014/main" val="2634844869"/>
+                    </a:ext>
+                  </a:extLst>
+                </a:gridCol>
+                <a:gridCol w="1597573">
+                  <a:extLst>
+                    <a:ext uri="{9D8B030D-6E8A-4147-A177-3AD203B41FA5}">
+                      <a16:colId xmlns:a16="http://schemas.microsoft.com/office/drawing/2014/main" val="2870402623"/>
+                    </a:ext>
+                  </a:extLst>
+                </a:gridCol>
+              </a:tblGrid>
+              <a:tr h="317306">
+                <a:tc>
+                  <a:txBody>
+                    <a:bodyPr/>
+                    <a:lstStyle/>
+                    <a:p>
+                      <a:r>
+                        <a:rPr lang="en-US" sz="1400" dirty="0"/>
+                        <a:t>Target (infected)</a:t>
+                      </a:r>
+                    </a:p>
+                  </a:txBody>
+                  <a:tcPr/>
+                </a:tc>
+                <a:tc>
+                  <a:txBody>
+                    <a:bodyPr/>
+                    <a:lstStyle/>
+                    <a:p>
+                      <a:r>
+                        <a:rPr lang="en-US" sz="1400" dirty="0"/>
+                        <a:t>count</a:t>
+                      </a:r>
+                    </a:p>
+                  </a:txBody>
+                  <a:tcPr/>
+                </a:tc>
+                <a:extLst>
+                  <a:ext uri="{0D108BD9-81ED-4DB2-BD59-A6C34878D82A}">
+                    <a16:rowId xmlns:a16="http://schemas.microsoft.com/office/drawing/2014/main" val="1027956728"/>
+                  </a:ext>
+                </a:extLst>
+              </a:tr>
+              <a:tr h="317306">
+                <a:tc>
+                  <a:txBody>
+                    <a:bodyPr/>
+                    <a:lstStyle/>
+                    <a:p>
+                      <a:r>
+                        <a:rPr lang="en-US" sz="1400" dirty="0"/>
+                        <a:t>0</a:t>
+                      </a:r>
+                    </a:p>
+                  </a:txBody>
+                  <a:tcPr/>
+                </a:tc>
+                <a:tc>
+                  <a:txBody>
+                    <a:bodyPr/>
+                    <a:lstStyle/>
+                    <a:p>
+                      <a:r>
+                        <a:rPr lang="en-US" sz="1400" b="0" kern="1200" dirty="0">
+                          <a:solidFill>
+                            <a:schemeClr val="dk1"/>
+                          </a:solidFill>
+                          <a:effectLst/>
+                        </a:rPr>
+                        <a:t>2209</a:t>
+                      </a:r>
+                      <a:endParaRPr lang="en-US" sz="1400" dirty="0"/>
+                    </a:p>
+                  </a:txBody>
+                  <a:tcPr/>
+                </a:tc>
+                <a:extLst>
+                  <a:ext uri="{0D108BD9-81ED-4DB2-BD59-A6C34878D82A}">
+                    <a16:rowId xmlns:a16="http://schemas.microsoft.com/office/drawing/2014/main" val="1684182507"/>
+                  </a:ext>
+                </a:extLst>
+              </a:tr>
+              <a:tr h="317306">
+                <a:tc>
+                  <a:txBody>
+                    <a:bodyPr/>
+                    <a:lstStyle/>
+                    <a:p>
+                      <a:r>
+                        <a:rPr lang="en-US" sz="1400" dirty="0"/>
+                        <a:t>1</a:t>
+                      </a:r>
+                    </a:p>
+                  </a:txBody>
+                  <a:tcPr/>
+                </a:tc>
+                <a:tc>
+                  <a:txBody>
+                    <a:bodyPr/>
+                    <a:lstStyle/>
+                    <a:p>
+                      <a:r>
+                        <a:rPr lang="en-US" sz="1400" b="0" kern="1200" dirty="0">
+                          <a:solidFill>
+                            <a:schemeClr val="dk1"/>
+                          </a:solidFill>
+                          <a:effectLst/>
+                        </a:rPr>
+                        <a:t>658</a:t>
+                      </a:r>
+                      <a:endParaRPr lang="en-US" sz="1400" dirty="0"/>
+                    </a:p>
+                  </a:txBody>
+                  <a:tcPr/>
+                </a:tc>
+                <a:extLst>
+                  <a:ext uri="{0D108BD9-81ED-4DB2-BD59-A6C34878D82A}">
+                    <a16:rowId xmlns:a16="http://schemas.microsoft.com/office/drawing/2014/main" val="1087358983"/>
+                  </a:ext>
+                </a:extLst>
+              </a:tr>
+            </a:tbl>
+          </a:graphicData>
+        </a:graphic>
+      </p:graphicFrame>
+      <p:sp>
+        <p:nvSpPr>
+          <p:cNvPr id="8" name="TextBox 7">
+            <a:extLst>
+              <a:ext uri="{FF2B5EF4-FFF2-40B4-BE49-F238E27FC236}">
+                <a16:creationId xmlns:a16="http://schemas.microsoft.com/office/drawing/2014/main" id="{1CF2E87C-A017-2045-A57A-895DAE9C103C}"/>
+              </a:ext>
+            </a:extLst>
+          </p:cNvPr>
+          <p:cNvSpPr txBox="1"/>
+          <p:nvPr/>
+        </p:nvSpPr>
+        <p:spPr>
+          <a:xfrm>
+            <a:off x="1051034" y="4956708"/>
+            <a:ext cx="3847848" cy="369332"/>
+          </a:xfrm>
+          <a:prstGeom prst="rect">
+            <a:avLst/>
+          </a:prstGeom>
+          <a:noFill/>
+        </p:spPr>
+        <p:txBody>
+          <a:bodyPr wrap="none" rtlCol="0">
+            <a:spAutoFit/>
+          </a:bodyPr>
+          <a:lstStyle/>
+          <a:p>
+            <a:r>
+              <a:rPr lang="en-US" dirty="0"/>
+              <a:t>Test period : 2017-05-31 to 2017-06-30</a:t>
+            </a:r>
+          </a:p>
+        </p:txBody>
+      </p:sp>
+      <p:graphicFrame>
+        <p:nvGraphicFramePr>
+          <p:cNvPr id="9" name="Table 5">
+            <a:extLst>
+              <a:ext uri="{FF2B5EF4-FFF2-40B4-BE49-F238E27FC236}">
+                <a16:creationId xmlns:a16="http://schemas.microsoft.com/office/drawing/2014/main" id="{94D48B06-A655-2E43-9899-2A51D120E4AB}"/>
+              </a:ext>
+            </a:extLst>
+          </p:cNvPr>
+          <p:cNvGraphicFramePr>
+            <a:graphicFrameLocks noGrp="1"/>
+          </p:cNvGraphicFramePr>
+          <p:nvPr>
+            <p:extLst>
+              <p:ext uri="{D42A27DB-BD31-4B8C-83A1-F6EECF244321}">
+                <p14:modId xmlns:p14="http://schemas.microsoft.com/office/powerpoint/2010/main" val="365370956"/>
+              </p:ext>
+            </p:extLst>
+          </p:nvPr>
+        </p:nvGraphicFramePr>
+        <p:xfrm>
+          <a:off x="1166648" y="5540957"/>
+          <a:ext cx="3195146" cy="951918"/>
+        </p:xfrm>
+        <a:graphic>
+          <a:graphicData uri="http://schemas.openxmlformats.org/drawingml/2006/table">
+            <a:tbl>
+              <a:tblPr firstRow="1" bandRow="1">
+                <a:tableStyleId>{5940675A-B579-460E-94D1-54222C63F5DA}</a:tableStyleId>
+              </a:tblPr>
+              <a:tblGrid>
+                <a:gridCol w="1597573">
+                  <a:extLst>
+                    <a:ext uri="{9D8B030D-6E8A-4147-A177-3AD203B41FA5}">
+                      <a16:colId xmlns:a16="http://schemas.microsoft.com/office/drawing/2014/main" val="2634844869"/>
+                    </a:ext>
+                  </a:extLst>
+                </a:gridCol>
+                <a:gridCol w="1597573">
+                  <a:extLst>
+                    <a:ext uri="{9D8B030D-6E8A-4147-A177-3AD203B41FA5}">
+                      <a16:colId xmlns:a16="http://schemas.microsoft.com/office/drawing/2014/main" val="2870402623"/>
+                    </a:ext>
+                  </a:extLst>
+                </a:gridCol>
+              </a:tblGrid>
+              <a:tr h="317306">
+                <a:tc>
+                  <a:txBody>
+                    <a:bodyPr/>
+                    <a:lstStyle/>
+                    <a:p>
+                      <a:r>
+                        <a:rPr lang="en-US" sz="1400" dirty="0"/>
+                        <a:t>Target (infected)</a:t>
+                      </a:r>
+                    </a:p>
+                  </a:txBody>
+                  <a:tcPr/>
+                </a:tc>
+                <a:tc>
+                  <a:txBody>
+                    <a:bodyPr/>
+                    <a:lstStyle/>
+                    <a:p>
+                      <a:r>
+                        <a:rPr lang="en-US" sz="1400" dirty="0"/>
+                        <a:t>count</a:t>
+                      </a:r>
+                    </a:p>
+                  </a:txBody>
+                  <a:tcPr/>
+                </a:tc>
+                <a:extLst>
+                  <a:ext uri="{0D108BD9-81ED-4DB2-BD59-A6C34878D82A}">
+                    <a16:rowId xmlns:a16="http://schemas.microsoft.com/office/drawing/2014/main" val="1027956728"/>
+                  </a:ext>
+                </a:extLst>
+              </a:tr>
+              <a:tr h="317306">
+                <a:tc>
+                  <a:txBody>
+                    <a:bodyPr/>
+                    <a:lstStyle/>
+                    <a:p>
+                      <a:r>
+                        <a:rPr lang="en-US" sz="1400" dirty="0"/>
+                        <a:t>0</a:t>
+                      </a:r>
+                    </a:p>
+                  </a:txBody>
+                  <a:tcPr/>
+                </a:tc>
+                <a:tc>
+                  <a:txBody>
+                    <a:bodyPr/>
+                    <a:lstStyle/>
+                    <a:p>
+                      <a:r>
+                        <a:rPr lang="en-US" sz="1400" b="0" kern="1200" dirty="0">
+                          <a:solidFill>
+                            <a:schemeClr val="dk1"/>
+                          </a:solidFill>
+                          <a:effectLst/>
+                        </a:rPr>
+                        <a:t>989</a:t>
+                      </a:r>
+                      <a:endParaRPr lang="en-US" sz="1400" dirty="0"/>
+                    </a:p>
+                  </a:txBody>
+                  <a:tcPr/>
+                </a:tc>
+                <a:extLst>
+                  <a:ext uri="{0D108BD9-81ED-4DB2-BD59-A6C34878D82A}">
+                    <a16:rowId xmlns:a16="http://schemas.microsoft.com/office/drawing/2014/main" val="1684182507"/>
+                  </a:ext>
+                </a:extLst>
+              </a:tr>
+              <a:tr h="317306">
+                <a:tc>
+                  <a:txBody>
+                    <a:bodyPr/>
+                    <a:lstStyle/>
+                    <a:p>
+                      <a:r>
+                        <a:rPr lang="en-US" sz="1400" dirty="0"/>
+                        <a:t>1</a:t>
+                      </a:r>
+                    </a:p>
+                  </a:txBody>
+                  <a:tcPr/>
+                </a:tc>
+                <a:tc>
+                  <a:txBody>
+                    <a:bodyPr/>
+                    <a:lstStyle/>
+                    <a:p>
+                      <a:r>
+                        <a:rPr lang="en-US" sz="1400" b="0" kern="1200" dirty="0">
+                          <a:solidFill>
+                            <a:schemeClr val="dk1"/>
+                          </a:solidFill>
+                          <a:effectLst/>
+                        </a:rPr>
+                        <a:t>407</a:t>
+                      </a:r>
+                      <a:endParaRPr lang="en-US" sz="1400" dirty="0"/>
+                    </a:p>
+                  </a:txBody>
+                  <a:tcPr/>
+                </a:tc>
+                <a:extLst>
+                  <a:ext uri="{0D108BD9-81ED-4DB2-BD59-A6C34878D82A}">
+                    <a16:rowId xmlns:a16="http://schemas.microsoft.com/office/drawing/2014/main" val="1087358983"/>
+                  </a:ext>
+                </a:extLst>
+              </a:tr>
+            </a:tbl>
+          </a:graphicData>
+        </a:graphic>
+      </p:graphicFrame>
+      <p:sp>
+        <p:nvSpPr>
+          <p:cNvPr id="10" name="TextBox 9">
+            <a:extLst>
+              <a:ext uri="{FF2B5EF4-FFF2-40B4-BE49-F238E27FC236}">
+                <a16:creationId xmlns:a16="http://schemas.microsoft.com/office/drawing/2014/main" id="{575B58E5-A046-1C42-AB4C-DA8E9838A5FD}"/>
+              </a:ext>
+            </a:extLst>
+          </p:cNvPr>
+          <p:cNvSpPr txBox="1"/>
+          <p:nvPr/>
+        </p:nvSpPr>
+        <p:spPr>
+          <a:xfrm>
+            <a:off x="1051034" y="1196218"/>
+            <a:ext cx="1554721" cy="369332"/>
+          </a:xfrm>
+          <a:prstGeom prst="rect">
+            <a:avLst/>
+          </a:prstGeom>
+          <a:noFill/>
+        </p:spPr>
+        <p:txBody>
+          <a:bodyPr wrap="none" rtlCol="0">
+            <a:spAutoFit/>
+          </a:bodyPr>
+          <a:lstStyle/>
+          <a:p>
+            <a:r>
+              <a:rPr lang="en-US" dirty="0"/>
+              <a:t>Lag months : 2</a:t>
+            </a:r>
+          </a:p>
+        </p:txBody>
+      </p:sp>
+    </p:spTree>
+    <p:extLst>
+      <p:ext uri="{BB962C8B-B14F-4D97-AF65-F5344CB8AC3E}">
+        <p14:creationId xmlns:p14="http://schemas.microsoft.com/office/powerpoint/2010/main" val="4209697828"/>
+      </p:ext>
+    </p:extLst>
+  </p:cSld>
+  <p:clrMapOvr>
+    <a:masterClrMapping/>
+  </p:clrMapOvr>
+</p:sld>
+</file>
+
+<file path=ppt/slides/slide5.xml><?xml version="1.0" encoding="utf-8"?>
+<p:sld xmlns:a="http://schemas.openxmlformats.org/drawingml/2006/main" xmlns:r="http://schemas.openxmlformats.org/officeDocument/2006/relationships" xmlns:p="http://schemas.openxmlformats.org/presentationml/2006/main">
+  <p:cSld>
+    <p:spTree>
+      <p:nvGrpSpPr>
+        <p:cNvPr id="1" name=""/>
+        <p:cNvGrpSpPr/>
+        <p:nvPr/>
+      </p:nvGrpSpPr>
+      <p:grpSpPr>
+        <a:xfrm>
+          <a:off x="0" y="0"/>
+          <a:ext cx="0" cy="0"/>
+          <a:chOff x="0" y="0"/>
+          <a:chExt cx="0" cy="0"/>
+        </a:xfrm>
+      </p:grpSpPr>
+      <p:sp>
+        <p:nvSpPr>
+          <p:cNvPr id="2" name="Title 1">
+            <a:extLst>
+              <a:ext uri="{FF2B5EF4-FFF2-40B4-BE49-F238E27FC236}">
+                <a16:creationId xmlns:a16="http://schemas.microsoft.com/office/drawing/2014/main" id="{CC9025B6-F6B3-4349-922A-A37C23AE9C20}"/>
+              </a:ext>
+            </a:extLst>
+          </p:cNvPr>
+          <p:cNvSpPr>
+            <a:spLocks noGrp="1"/>
+          </p:cNvSpPr>
+          <p:nvPr>
+            <p:ph type="title"/>
+          </p:nvPr>
+        </p:nvSpPr>
+        <p:spPr/>
+        <p:txBody>
+          <a:bodyPr>
+            <a:normAutofit/>
+          </a:bodyPr>
+          <a:lstStyle/>
+          <a:p>
+            <a:r>
+              <a:rPr lang="en-US" sz="3600" dirty="0"/>
+              <a:t>Result</a:t>
+            </a:r>
+          </a:p>
+        </p:txBody>
+      </p:sp>
+      <p:graphicFrame>
+        <p:nvGraphicFramePr>
+          <p:cNvPr id="9" name="Table 5">
+            <a:extLst>
+              <a:ext uri="{FF2B5EF4-FFF2-40B4-BE49-F238E27FC236}">
+                <a16:creationId xmlns:a16="http://schemas.microsoft.com/office/drawing/2014/main" id="{94D48B06-A655-2E43-9899-2A51D120E4AB}"/>
+              </a:ext>
+            </a:extLst>
+          </p:cNvPr>
+          <p:cNvGraphicFramePr>
+            <a:graphicFrameLocks noGrp="1"/>
+          </p:cNvGraphicFramePr>
+          <p:nvPr>
+            <p:extLst>
+              <p:ext uri="{D42A27DB-BD31-4B8C-83A1-F6EECF244321}">
+                <p14:modId xmlns:p14="http://schemas.microsoft.com/office/powerpoint/2010/main" val="1469661867"/>
+              </p:ext>
+            </p:extLst>
+          </p:nvPr>
+        </p:nvGraphicFramePr>
+        <p:xfrm>
+          <a:off x="838200" y="2925795"/>
+          <a:ext cx="3195147" cy="835466"/>
+        </p:xfrm>
+        <a:graphic>
+          <a:graphicData uri="http://schemas.openxmlformats.org/drawingml/2006/table">
+            <a:tbl>
+              <a:tblPr firstRow="1" bandRow="1">
+                <a:tableStyleId>{5940675A-B579-460E-94D1-54222C63F5DA}</a:tableStyleId>
+              </a:tblPr>
+              <a:tblGrid>
+                <a:gridCol w="1065049">
+                  <a:extLst>
+                    <a:ext uri="{9D8B030D-6E8A-4147-A177-3AD203B41FA5}">
+                      <a16:colId xmlns:a16="http://schemas.microsoft.com/office/drawing/2014/main" val="2634844869"/>
+                    </a:ext>
+                  </a:extLst>
+                </a:gridCol>
+                <a:gridCol w="1065049">
+                  <a:extLst>
+                    <a:ext uri="{9D8B030D-6E8A-4147-A177-3AD203B41FA5}">
+                      <a16:colId xmlns:a16="http://schemas.microsoft.com/office/drawing/2014/main" val="2870402623"/>
+                    </a:ext>
+                  </a:extLst>
+                </a:gridCol>
+                <a:gridCol w="1065049">
+                  <a:extLst>
+                    <a:ext uri="{9D8B030D-6E8A-4147-A177-3AD203B41FA5}">
+                      <a16:colId xmlns:a16="http://schemas.microsoft.com/office/drawing/2014/main" val="2470108644"/>
+                    </a:ext>
+                  </a:extLst>
+                </a:gridCol>
+              </a:tblGrid>
+              <a:tr h="317306">
+                <a:tc>
+                  <a:txBody>
+                    <a:bodyPr/>
+                    <a:lstStyle/>
+                    <a:p>
+                      <a:r>
+                        <a:rPr lang="en-US" sz="1400" dirty="0"/>
+                        <a:t>AUC Train</a:t>
+                      </a:r>
+                    </a:p>
+                  </a:txBody>
+                  <a:tcPr/>
+                </a:tc>
+                <a:tc>
+                  <a:txBody>
+                    <a:bodyPr/>
+                    <a:lstStyle/>
+                    <a:p>
+                      <a:r>
+                        <a:rPr lang="en-US" sz="1400" dirty="0"/>
+                        <a:t>AUC Validation</a:t>
+                      </a:r>
+                    </a:p>
+                  </a:txBody>
+                  <a:tcPr/>
+                </a:tc>
+                <a:tc>
+                  <a:txBody>
+                    <a:bodyPr/>
+                    <a:lstStyle/>
+                    <a:p>
+                      <a:r>
+                        <a:rPr lang="en-US" sz="1400" dirty="0"/>
+                        <a:t>AUC Test</a:t>
+                      </a:r>
+                    </a:p>
+                  </a:txBody>
+                  <a:tcPr/>
+                </a:tc>
+                <a:extLst>
+                  <a:ext uri="{0D108BD9-81ED-4DB2-BD59-A6C34878D82A}">
+                    <a16:rowId xmlns:a16="http://schemas.microsoft.com/office/drawing/2014/main" val="1027956728"/>
+                  </a:ext>
+                </a:extLst>
+              </a:tr>
+              <a:tr h="317306">
+                <a:tc>
+                  <a:txBody>
+                    <a:bodyPr/>
+                    <a:lstStyle/>
+                    <a:p>
+                      <a:r>
+                        <a:rPr lang="en-US" sz="1400" dirty="0"/>
+                        <a:t>1.00</a:t>
+                      </a:r>
+                    </a:p>
+                  </a:txBody>
+                  <a:tcPr/>
+                </a:tc>
+                <a:tc>
+                  <a:txBody>
+                    <a:bodyPr/>
+                    <a:lstStyle/>
+                    <a:p>
+                      <a:r>
+                        <a:rPr lang="en-US" sz="1400" b="0" kern="1200" dirty="0">
+                          <a:solidFill>
+                            <a:schemeClr val="dk1"/>
+                          </a:solidFill>
+                          <a:effectLst/>
+                        </a:rPr>
+                        <a:t>1.00</a:t>
+                      </a:r>
+                      <a:endParaRPr lang="en-US" sz="1400" dirty="0"/>
+                    </a:p>
+                  </a:txBody>
+                  <a:tcPr/>
+                </a:tc>
+                <a:tc>
+                  <a:txBody>
+                    <a:bodyPr/>
+                    <a:lstStyle/>
+                    <a:p>
+                      <a:r>
+                        <a:rPr lang="en-US" sz="1400" dirty="0"/>
+                        <a:t>0.93</a:t>
+                      </a:r>
+                    </a:p>
+                  </a:txBody>
+                  <a:tcPr/>
+                </a:tc>
+                <a:extLst>
+                  <a:ext uri="{0D108BD9-81ED-4DB2-BD59-A6C34878D82A}">
+                    <a16:rowId xmlns:a16="http://schemas.microsoft.com/office/drawing/2014/main" val="1684182507"/>
+                  </a:ext>
+                </a:extLst>
+              </a:tr>
+            </a:tbl>
+          </a:graphicData>
+        </a:graphic>
+      </p:graphicFrame>
+      <p:pic>
+        <p:nvPicPr>
+          <p:cNvPr id="11" name="Picture 10" descr="Chart, line chart&#10;&#10;Description automatically generated">
+            <a:extLst>
+              <a:ext uri="{FF2B5EF4-FFF2-40B4-BE49-F238E27FC236}">
+                <a16:creationId xmlns:a16="http://schemas.microsoft.com/office/drawing/2014/main" id="{4D31627B-D8AE-A04E-A70B-8737FB1758D5}"/>
+              </a:ext>
+            </a:extLst>
+          </p:cNvPr>
+          <p:cNvPicPr>
+            <a:picLocks noChangeAspect="1"/>
+          </p:cNvPicPr>
+          <p:nvPr/>
+        </p:nvPicPr>
+        <p:blipFill>
+          <a:blip r:embed="rId2"/>
+          <a:stretch>
+            <a:fillRect/>
+          </a:stretch>
+        </p:blipFill>
+        <p:spPr>
+          <a:xfrm>
+            <a:off x="838200" y="1237374"/>
+            <a:ext cx="2398986" cy="1651638"/>
+          </a:xfrm>
+          <a:prstGeom prst="rect">
+            <a:avLst/>
+          </a:prstGeom>
+        </p:spPr>
+      </p:pic>
+      <p:pic>
+        <p:nvPicPr>
+          <p:cNvPr id="13" name="Picture 12" descr="Chart, bar chart, histogram&#10;&#10;Description automatically generated">
+            <a:extLst>
+              <a:ext uri="{FF2B5EF4-FFF2-40B4-BE49-F238E27FC236}">
+                <a16:creationId xmlns:a16="http://schemas.microsoft.com/office/drawing/2014/main" id="{8EA9FDE4-1936-1447-B92C-7F63D7A9F17F}"/>
+              </a:ext>
+            </a:extLst>
+          </p:cNvPr>
+          <p:cNvPicPr>
+            <a:picLocks noChangeAspect="1"/>
+          </p:cNvPicPr>
+          <p:nvPr/>
+        </p:nvPicPr>
+        <p:blipFill>
+          <a:blip r:embed="rId3"/>
+          <a:stretch>
+            <a:fillRect/>
+          </a:stretch>
+        </p:blipFill>
+        <p:spPr>
+          <a:xfrm>
+            <a:off x="606206" y="4124119"/>
+            <a:ext cx="2862974" cy="1928583"/>
+          </a:xfrm>
+          <a:prstGeom prst="rect">
+            <a:avLst/>
+          </a:prstGeom>
+        </p:spPr>
+      </p:pic>
+      <p:pic>
+        <p:nvPicPr>
+          <p:cNvPr id="15" name="Picture 14" descr="Chart, bar chart, histogram&#10;&#10;Description automatically generated">
+            <a:extLst>
+              <a:ext uri="{FF2B5EF4-FFF2-40B4-BE49-F238E27FC236}">
+                <a16:creationId xmlns:a16="http://schemas.microsoft.com/office/drawing/2014/main" id="{9DED9BD4-D6F4-E24D-AB2F-DD1220ABD33D}"/>
+              </a:ext>
+            </a:extLst>
+          </p:cNvPr>
+          <p:cNvPicPr>
+            <a:picLocks noChangeAspect="1"/>
+          </p:cNvPicPr>
+          <p:nvPr/>
+        </p:nvPicPr>
+        <p:blipFill>
+          <a:blip r:embed="rId4"/>
+          <a:stretch>
+            <a:fillRect/>
+          </a:stretch>
+        </p:blipFill>
+        <p:spPr>
+          <a:xfrm>
+            <a:off x="3807922" y="4124119"/>
+            <a:ext cx="2992271" cy="1987115"/>
+          </a:xfrm>
+          <a:prstGeom prst="rect">
+            <a:avLst/>
+          </a:prstGeom>
+        </p:spPr>
+      </p:pic>
+      <p:sp>
+        <p:nvSpPr>
+          <p:cNvPr id="16" name="TextBox 15">
+            <a:extLst>
+              <a:ext uri="{FF2B5EF4-FFF2-40B4-BE49-F238E27FC236}">
+                <a16:creationId xmlns:a16="http://schemas.microsoft.com/office/drawing/2014/main" id="{94CDEB6F-FF9E-8C4C-9ECD-E73DAA9A31B7}"/>
+              </a:ext>
+            </a:extLst>
+          </p:cNvPr>
+          <p:cNvSpPr txBox="1"/>
+          <p:nvPr/>
+        </p:nvSpPr>
+        <p:spPr>
+          <a:xfrm>
+            <a:off x="441582" y="6088696"/>
+            <a:ext cx="3192221" cy="369332"/>
+          </a:xfrm>
+          <a:prstGeom prst="rect">
+            <a:avLst/>
+          </a:prstGeom>
+          <a:noFill/>
+        </p:spPr>
+        <p:txBody>
+          <a:bodyPr wrap="none" rtlCol="0">
+            <a:spAutoFit/>
+          </a:bodyPr>
+          <a:lstStyle/>
+          <a:p>
+            <a:r>
+              <a:rPr lang="en-US" dirty="0"/>
+              <a:t>Bins of tests of infected patients</a:t>
+            </a:r>
+          </a:p>
+        </p:txBody>
+      </p:sp>
+      <p:sp>
+        <p:nvSpPr>
+          <p:cNvPr id="17" name="TextBox 16">
+            <a:extLst>
+              <a:ext uri="{FF2B5EF4-FFF2-40B4-BE49-F238E27FC236}">
+                <a16:creationId xmlns:a16="http://schemas.microsoft.com/office/drawing/2014/main" id="{059CB8E4-AD6A-5F42-BCAA-D142C7499D02}"/>
+              </a:ext>
+            </a:extLst>
+          </p:cNvPr>
+          <p:cNvSpPr txBox="1"/>
+          <p:nvPr/>
+        </p:nvSpPr>
+        <p:spPr>
+          <a:xfrm>
+            <a:off x="3707946" y="6088696"/>
+            <a:ext cx="3610604" cy="369332"/>
+          </a:xfrm>
+          <a:prstGeom prst="rect">
+            <a:avLst/>
+          </a:prstGeom>
+          <a:noFill/>
+        </p:spPr>
+        <p:txBody>
+          <a:bodyPr wrap="none" rtlCol="0">
+            <a:spAutoFit/>
+          </a:bodyPr>
+          <a:lstStyle/>
+          <a:p>
+            <a:r>
+              <a:rPr lang="en-US" dirty="0"/>
+              <a:t>Bins of tests of non infected patients</a:t>
+            </a:r>
+          </a:p>
+        </p:txBody>
+      </p:sp>
+      <p:graphicFrame>
+        <p:nvGraphicFramePr>
+          <p:cNvPr id="18" name="Table 17">
+            <a:extLst>
+              <a:ext uri="{FF2B5EF4-FFF2-40B4-BE49-F238E27FC236}">
+                <a16:creationId xmlns:a16="http://schemas.microsoft.com/office/drawing/2014/main" id="{05A1509E-9AC1-2B4F-8B3D-8C503406046C}"/>
+              </a:ext>
+            </a:extLst>
+          </p:cNvPr>
+          <p:cNvGraphicFramePr>
+            <a:graphicFrameLocks noGrp="1"/>
+          </p:cNvGraphicFramePr>
+          <p:nvPr>
+            <p:extLst>
+              <p:ext uri="{D42A27DB-BD31-4B8C-83A1-F6EECF244321}">
+                <p14:modId xmlns:p14="http://schemas.microsoft.com/office/powerpoint/2010/main" val="1418908222"/>
+              </p:ext>
+            </p:extLst>
+          </p:nvPr>
+        </p:nvGraphicFramePr>
+        <p:xfrm>
+          <a:off x="7151607" y="1027906"/>
+          <a:ext cx="4540935" cy="4379321"/>
+        </p:xfrm>
+        <a:graphic>
+          <a:graphicData uri="http://schemas.openxmlformats.org/drawingml/2006/table">
+            <a:tbl>
+              <a:tblPr>
+                <a:tableStyleId>{5940675A-B579-460E-94D1-54222C63F5DA}</a:tableStyleId>
+              </a:tblPr>
+              <a:tblGrid>
+                <a:gridCol w="2943363">
+                  <a:extLst>
+                    <a:ext uri="{9D8B030D-6E8A-4147-A177-3AD203B41FA5}">
+                      <a16:colId xmlns:a16="http://schemas.microsoft.com/office/drawing/2014/main" val="2200917076"/>
+                    </a:ext>
+                  </a:extLst>
+                </a:gridCol>
+                <a:gridCol w="830317">
+                  <a:extLst>
+                    <a:ext uri="{9D8B030D-6E8A-4147-A177-3AD203B41FA5}">
+                      <a16:colId xmlns:a16="http://schemas.microsoft.com/office/drawing/2014/main" val="1197515670"/>
+                    </a:ext>
+                  </a:extLst>
+                </a:gridCol>
+                <a:gridCol w="767255">
+                  <a:extLst>
+                    <a:ext uri="{9D8B030D-6E8A-4147-A177-3AD203B41FA5}">
+                      <a16:colId xmlns:a16="http://schemas.microsoft.com/office/drawing/2014/main" val="119754804"/>
+                    </a:ext>
+                  </a:extLst>
+                </a:gridCol>
+              </a:tblGrid>
+              <a:tr h="162515">
+                <a:tc>
+                  <a:txBody>
+                    <a:bodyPr/>
+                    <a:lstStyle/>
+                    <a:p>
+                      <a:pPr algn="l" fontAlgn="b"/>
+                      <a:r>
+                        <a:rPr lang="en-US" sz="1200" b="1" u="none" strike="noStrike">
+                          <a:solidFill>
+                            <a:srgbClr val="000000"/>
+                          </a:solidFill>
+                          <a:effectLst/>
+                        </a:rPr>
+                        <a:t>feature</a:t>
+                      </a:r>
+                      <a:endParaRPr lang="en-US" sz="1200" b="1" i="0" u="none" strike="noStrike">
+                        <a:solidFill>
+                          <a:srgbClr val="000000"/>
+                        </a:solidFill>
+                        <a:effectLst/>
+                        <a:latin typeface="Calibri" panose="020F0502020204030204" pitchFamily="34" charset="0"/>
+                      </a:endParaRPr>
+                    </a:p>
+                  </a:txBody>
+                  <a:tcPr marL="7618" marR="7618" marT="7618" marB="0" anchor="b"/>
+                </a:tc>
+                <a:tc>
+                  <a:txBody>
+                    <a:bodyPr/>
+                    <a:lstStyle/>
+                    <a:p>
+                      <a:pPr algn="l" fontAlgn="b"/>
+                      <a:r>
+                        <a:rPr lang="en-US" sz="1200" b="1" u="none" strike="noStrike">
+                          <a:solidFill>
+                            <a:srgbClr val="000000"/>
+                          </a:solidFill>
+                          <a:effectLst/>
+                        </a:rPr>
+                        <a:t>value</a:t>
+                      </a:r>
+                      <a:endParaRPr lang="en-US" sz="1200" b="1" i="0" u="none" strike="noStrike">
+                        <a:solidFill>
+                          <a:srgbClr val="000000"/>
+                        </a:solidFill>
+                        <a:effectLst/>
+                        <a:latin typeface="Calibri" panose="020F0502020204030204" pitchFamily="34" charset="0"/>
+                      </a:endParaRPr>
+                    </a:p>
+                  </a:txBody>
+                  <a:tcPr marL="7618" marR="7618" marT="7618" marB="0" anchor="b"/>
+                </a:tc>
+                <a:tc>
+                  <a:txBody>
+                    <a:bodyPr/>
+                    <a:lstStyle/>
+                    <a:p>
+                      <a:pPr algn="l" fontAlgn="b"/>
+                      <a:r>
+                        <a:rPr lang="en-US" sz="1200" b="1" u="none" strike="noStrike" dirty="0" err="1">
+                          <a:solidFill>
+                            <a:srgbClr val="000000"/>
+                          </a:solidFill>
+                          <a:effectLst/>
+                        </a:rPr>
+                        <a:t>cum_value</a:t>
+                      </a:r>
+                      <a:endParaRPr lang="en-US" sz="1200" b="1" i="0" u="none" strike="noStrike" dirty="0">
+                        <a:solidFill>
+                          <a:srgbClr val="000000"/>
+                        </a:solidFill>
+                        <a:effectLst/>
+                        <a:latin typeface="Calibri" panose="020F0502020204030204" pitchFamily="34" charset="0"/>
+                      </a:endParaRPr>
+                    </a:p>
+                  </a:txBody>
+                  <a:tcPr marL="7618" marR="7618" marT="7618" marB="0" anchor="b"/>
+                </a:tc>
+                <a:extLst>
+                  <a:ext uri="{0D108BD9-81ED-4DB2-BD59-A6C34878D82A}">
+                    <a16:rowId xmlns:a16="http://schemas.microsoft.com/office/drawing/2014/main" val="3939993953"/>
+                  </a:ext>
+                </a:extLst>
+              </a:tr>
+              <a:tr h="300145">
+                <a:tc>
+                  <a:txBody>
+                    <a:bodyPr/>
+                    <a:lstStyle/>
+                    <a:p>
+                      <a:pPr algn="l" fontAlgn="b"/>
+                      <a:r>
+                        <a:rPr lang="en-US" sz="1000" b="0" u="none" strike="noStrike">
+                          <a:solidFill>
+                            <a:srgbClr val="000000"/>
+                          </a:solidFill>
+                          <a:effectLst/>
+                        </a:rPr>
+                        <a:t>qLymphVal_min_12mth</a:t>
+                      </a:r>
+                      <a:endParaRPr lang="en-US" sz="1000" b="0" i="0" u="none" strike="noStrike">
+                        <a:solidFill>
+                          <a:srgbClr val="000000"/>
+                        </a:solidFill>
+                        <a:effectLst/>
+                        <a:latin typeface="Calibri" panose="020F0502020204030204" pitchFamily="34" charset="0"/>
+                      </a:endParaRPr>
+                    </a:p>
+                  </a:txBody>
+                  <a:tcPr marL="7618" marR="7618" marT="7618" marB="0" anchor="b"/>
+                </a:tc>
+                <a:tc>
+                  <a:txBody>
+                    <a:bodyPr/>
+                    <a:lstStyle/>
+                    <a:p>
+                      <a:pPr algn="r" fontAlgn="b"/>
+                      <a:r>
+                        <a:rPr lang="en-US" sz="1000" b="0" u="none" strike="noStrike">
+                          <a:solidFill>
+                            <a:srgbClr val="000000"/>
+                          </a:solidFill>
+                          <a:effectLst/>
+                        </a:rPr>
+                        <a:t>0.02551188</a:t>
+                      </a:r>
+                      <a:endParaRPr lang="en-US" sz="1000" b="0" i="0" u="none" strike="noStrike">
+                        <a:solidFill>
+                          <a:srgbClr val="000000"/>
+                        </a:solidFill>
+                        <a:effectLst/>
+                        <a:latin typeface="Calibri" panose="020F0502020204030204" pitchFamily="34" charset="0"/>
+                      </a:endParaRPr>
+                    </a:p>
+                  </a:txBody>
+                  <a:tcPr marL="7618" marR="7618" marT="7618" marB="0" anchor="b"/>
+                </a:tc>
+                <a:tc>
+                  <a:txBody>
+                    <a:bodyPr/>
+                    <a:lstStyle/>
+                    <a:p>
+                      <a:pPr algn="r" fontAlgn="b"/>
+                      <a:r>
+                        <a:rPr lang="en-US" sz="1000" b="0" u="none" strike="noStrike">
+                          <a:solidFill>
+                            <a:srgbClr val="000000"/>
+                          </a:solidFill>
+                          <a:effectLst/>
+                        </a:rPr>
+                        <a:t>0.02551188</a:t>
+                      </a:r>
+                      <a:endParaRPr lang="en-US" sz="1000" b="0" i="0" u="none" strike="noStrike">
+                        <a:solidFill>
+                          <a:srgbClr val="000000"/>
+                        </a:solidFill>
+                        <a:effectLst/>
+                        <a:latin typeface="Calibri" panose="020F0502020204030204" pitchFamily="34" charset="0"/>
+                      </a:endParaRPr>
+                    </a:p>
+                  </a:txBody>
+                  <a:tcPr marL="7618" marR="7618" marT="7618" marB="0" anchor="b"/>
+                </a:tc>
+                <a:extLst>
+                  <a:ext uri="{0D108BD9-81ED-4DB2-BD59-A6C34878D82A}">
+                    <a16:rowId xmlns:a16="http://schemas.microsoft.com/office/drawing/2014/main" val="2647551971"/>
+                  </a:ext>
+                </a:extLst>
+              </a:tr>
+              <a:tr h="300145">
+                <a:tc>
+                  <a:txBody>
+                    <a:bodyPr/>
+                    <a:lstStyle/>
+                    <a:p>
+                      <a:pPr algn="l" fontAlgn="b"/>
+                      <a:r>
+                        <a:rPr lang="en-US" sz="1000" b="0" u="none" strike="noStrike">
+                          <a:solidFill>
+                            <a:srgbClr val="000000"/>
+                          </a:solidFill>
+                          <a:effectLst/>
+                        </a:rPr>
+                        <a:t>qLymphVal_min_9mth</a:t>
+                      </a:r>
+                      <a:endParaRPr lang="en-US" sz="1000" b="0" i="0" u="none" strike="noStrike">
+                        <a:solidFill>
+                          <a:srgbClr val="000000"/>
+                        </a:solidFill>
+                        <a:effectLst/>
+                        <a:latin typeface="Calibri" panose="020F0502020204030204" pitchFamily="34" charset="0"/>
+                      </a:endParaRPr>
+                    </a:p>
+                  </a:txBody>
+                  <a:tcPr marL="7618" marR="7618" marT="7618" marB="0" anchor="b"/>
+                </a:tc>
+                <a:tc>
+                  <a:txBody>
+                    <a:bodyPr/>
+                    <a:lstStyle/>
+                    <a:p>
+                      <a:pPr algn="r" fontAlgn="b"/>
+                      <a:r>
+                        <a:rPr lang="en-US" sz="1000" b="0" u="none" strike="noStrike">
+                          <a:solidFill>
+                            <a:srgbClr val="000000"/>
+                          </a:solidFill>
+                          <a:effectLst/>
+                        </a:rPr>
+                        <a:t>0.02047812</a:t>
+                      </a:r>
+                      <a:endParaRPr lang="en-US" sz="1000" b="0" i="0" u="none" strike="noStrike">
+                        <a:solidFill>
+                          <a:srgbClr val="000000"/>
+                        </a:solidFill>
+                        <a:effectLst/>
+                        <a:latin typeface="Calibri" panose="020F0502020204030204" pitchFamily="34" charset="0"/>
+                      </a:endParaRPr>
+                    </a:p>
+                  </a:txBody>
+                  <a:tcPr marL="7618" marR="7618" marT="7618" marB="0" anchor="b"/>
+                </a:tc>
+                <a:tc>
+                  <a:txBody>
+                    <a:bodyPr/>
+                    <a:lstStyle/>
+                    <a:p>
+                      <a:pPr algn="r" fontAlgn="b"/>
+                      <a:r>
+                        <a:rPr lang="en-US" sz="1000" b="0" u="none" strike="noStrike">
+                          <a:solidFill>
+                            <a:srgbClr val="000000"/>
+                          </a:solidFill>
+                          <a:effectLst/>
+                        </a:rPr>
+                        <a:t>0.04599</a:t>
+                      </a:r>
+                      <a:endParaRPr lang="en-US" sz="1000" b="0" i="0" u="none" strike="noStrike">
+                        <a:solidFill>
+                          <a:srgbClr val="000000"/>
+                        </a:solidFill>
+                        <a:effectLst/>
+                        <a:latin typeface="Calibri" panose="020F0502020204030204" pitchFamily="34" charset="0"/>
+                      </a:endParaRPr>
+                    </a:p>
+                  </a:txBody>
+                  <a:tcPr marL="7618" marR="7618" marT="7618" marB="0" anchor="b"/>
+                </a:tc>
+                <a:extLst>
+                  <a:ext uri="{0D108BD9-81ED-4DB2-BD59-A6C34878D82A}">
+                    <a16:rowId xmlns:a16="http://schemas.microsoft.com/office/drawing/2014/main" val="4243273720"/>
+                  </a:ext>
+                </a:extLst>
+              </a:tr>
+              <a:tr h="446408">
+                <a:tc>
+                  <a:txBody>
+                    <a:bodyPr/>
+                    <a:lstStyle/>
+                    <a:p>
+                      <a:pPr algn="l" fontAlgn="b"/>
+                      <a:r>
+                        <a:rPr lang="en-US" sz="1000" b="0" u="none" strike="noStrike">
+                          <a:solidFill>
+                            <a:srgbClr val="000000"/>
+                          </a:solidFill>
+                          <a:effectLst/>
+                        </a:rPr>
+                        <a:t>qNeutrophilsVal_max_12mth</a:t>
+                      </a:r>
+                      <a:endParaRPr lang="en-US" sz="1000" b="0" i="0" u="none" strike="noStrike">
+                        <a:solidFill>
+                          <a:srgbClr val="000000"/>
+                        </a:solidFill>
+                        <a:effectLst/>
+                        <a:latin typeface="Calibri" panose="020F0502020204030204" pitchFamily="34" charset="0"/>
+                      </a:endParaRPr>
+                    </a:p>
+                  </a:txBody>
+                  <a:tcPr marL="7618" marR="7618" marT="7618" marB="0" anchor="b"/>
+                </a:tc>
+                <a:tc>
+                  <a:txBody>
+                    <a:bodyPr/>
+                    <a:lstStyle/>
+                    <a:p>
+                      <a:pPr algn="r" fontAlgn="b"/>
+                      <a:r>
+                        <a:rPr lang="en-US" sz="1000" b="0" u="none" strike="noStrike">
+                          <a:solidFill>
+                            <a:srgbClr val="000000"/>
+                          </a:solidFill>
+                          <a:effectLst/>
+                        </a:rPr>
+                        <a:t>0.01937652</a:t>
+                      </a:r>
+                      <a:endParaRPr lang="en-US" sz="1000" b="0" i="0" u="none" strike="noStrike">
+                        <a:solidFill>
+                          <a:srgbClr val="000000"/>
+                        </a:solidFill>
+                        <a:effectLst/>
+                        <a:latin typeface="Calibri" panose="020F0502020204030204" pitchFamily="34" charset="0"/>
+                      </a:endParaRPr>
+                    </a:p>
+                  </a:txBody>
+                  <a:tcPr marL="7618" marR="7618" marT="7618" marB="0" anchor="b"/>
+                </a:tc>
+                <a:tc>
+                  <a:txBody>
+                    <a:bodyPr/>
+                    <a:lstStyle/>
+                    <a:p>
+                      <a:pPr algn="r" fontAlgn="b"/>
+                      <a:r>
+                        <a:rPr lang="en-US" sz="1000" b="0" u="none" strike="noStrike">
+                          <a:solidFill>
+                            <a:srgbClr val="000000"/>
+                          </a:solidFill>
+                          <a:effectLst/>
+                        </a:rPr>
+                        <a:t>0.06536651</a:t>
+                      </a:r>
+                      <a:endParaRPr lang="en-US" sz="1000" b="0" i="0" u="none" strike="noStrike">
+                        <a:solidFill>
+                          <a:srgbClr val="000000"/>
+                        </a:solidFill>
+                        <a:effectLst/>
+                        <a:latin typeface="Calibri" panose="020F0502020204030204" pitchFamily="34" charset="0"/>
+                      </a:endParaRPr>
+                    </a:p>
+                  </a:txBody>
+                  <a:tcPr marL="7618" marR="7618" marT="7618" marB="0" anchor="b"/>
+                </a:tc>
+                <a:extLst>
+                  <a:ext uri="{0D108BD9-81ED-4DB2-BD59-A6C34878D82A}">
+                    <a16:rowId xmlns:a16="http://schemas.microsoft.com/office/drawing/2014/main" val="502499470"/>
+                  </a:ext>
+                </a:extLst>
+              </a:tr>
+              <a:tr h="162515">
+                <a:tc>
+                  <a:txBody>
+                    <a:bodyPr/>
+                    <a:lstStyle/>
+                    <a:p>
+                      <a:pPr algn="l" fontAlgn="b"/>
+                      <a:r>
+                        <a:rPr lang="en-US" sz="1000" b="0" u="none" strike="noStrike">
+                          <a:solidFill>
+                            <a:srgbClr val="000000"/>
+                          </a:solidFill>
+                          <a:effectLst/>
+                        </a:rPr>
+                        <a:t>PDVintage</a:t>
+                      </a:r>
+                      <a:endParaRPr lang="en-US" sz="1000" b="0" i="0" u="none" strike="noStrike">
+                        <a:solidFill>
+                          <a:srgbClr val="000000"/>
+                        </a:solidFill>
+                        <a:effectLst/>
+                        <a:latin typeface="Calibri" panose="020F0502020204030204" pitchFamily="34" charset="0"/>
+                      </a:endParaRPr>
+                    </a:p>
+                  </a:txBody>
+                  <a:tcPr marL="7618" marR="7618" marT="7618" marB="0" anchor="b"/>
+                </a:tc>
+                <a:tc>
+                  <a:txBody>
+                    <a:bodyPr/>
+                    <a:lstStyle/>
+                    <a:p>
+                      <a:pPr algn="r" fontAlgn="b"/>
+                      <a:r>
+                        <a:rPr lang="en-US" sz="1000" b="0" u="none" strike="noStrike">
+                          <a:solidFill>
+                            <a:srgbClr val="000000"/>
+                          </a:solidFill>
+                          <a:effectLst/>
+                        </a:rPr>
+                        <a:t>0.01850582</a:t>
+                      </a:r>
+                      <a:endParaRPr lang="en-US" sz="1000" b="0" i="0" u="none" strike="noStrike">
+                        <a:solidFill>
+                          <a:srgbClr val="000000"/>
+                        </a:solidFill>
+                        <a:effectLst/>
+                        <a:latin typeface="Calibri" panose="020F0502020204030204" pitchFamily="34" charset="0"/>
+                      </a:endParaRPr>
+                    </a:p>
+                  </a:txBody>
+                  <a:tcPr marL="7618" marR="7618" marT="7618" marB="0" anchor="b"/>
+                </a:tc>
+                <a:tc>
+                  <a:txBody>
+                    <a:bodyPr/>
+                    <a:lstStyle/>
+                    <a:p>
+                      <a:pPr algn="r" fontAlgn="b"/>
+                      <a:r>
+                        <a:rPr lang="en-US" sz="1000" b="0" u="none" strike="noStrike">
+                          <a:solidFill>
+                            <a:srgbClr val="000000"/>
+                          </a:solidFill>
+                          <a:effectLst/>
+                        </a:rPr>
+                        <a:t>0.08387233</a:t>
+                      </a:r>
+                      <a:endParaRPr lang="en-US" sz="1000" b="0" i="0" u="none" strike="noStrike">
+                        <a:solidFill>
+                          <a:srgbClr val="000000"/>
+                        </a:solidFill>
+                        <a:effectLst/>
+                        <a:latin typeface="Calibri" panose="020F0502020204030204" pitchFamily="34" charset="0"/>
+                      </a:endParaRPr>
+                    </a:p>
+                  </a:txBody>
+                  <a:tcPr marL="7618" marR="7618" marT="7618" marB="0" anchor="b"/>
+                </a:tc>
+                <a:extLst>
+                  <a:ext uri="{0D108BD9-81ED-4DB2-BD59-A6C34878D82A}">
+                    <a16:rowId xmlns:a16="http://schemas.microsoft.com/office/drawing/2014/main" val="247114291"/>
+                  </a:ext>
+                </a:extLst>
+              </a:tr>
+              <a:tr h="592672">
+                <a:tc>
+                  <a:txBody>
+                    <a:bodyPr/>
+                    <a:lstStyle/>
+                    <a:p>
+                      <a:pPr algn="l" fontAlgn="b"/>
+                      <a:r>
+                        <a:rPr lang="en-US" sz="1000" b="0" u="none" strike="noStrike">
+                          <a:solidFill>
+                            <a:srgbClr val="000000"/>
+                          </a:solidFill>
+                          <a:effectLst/>
+                        </a:rPr>
+                        <a:t>zscore_age_qCreatCon4HrCorUnit_sum_12mth</a:t>
+                      </a:r>
+                      <a:endParaRPr lang="en-US" sz="1000" b="0" i="0" u="none" strike="noStrike">
+                        <a:solidFill>
+                          <a:srgbClr val="000000"/>
+                        </a:solidFill>
+                        <a:effectLst/>
+                        <a:latin typeface="Calibri" panose="020F0502020204030204" pitchFamily="34" charset="0"/>
+                      </a:endParaRPr>
+                    </a:p>
+                  </a:txBody>
+                  <a:tcPr marL="7618" marR="7618" marT="7618" marB="0" anchor="b"/>
+                </a:tc>
+                <a:tc>
+                  <a:txBody>
+                    <a:bodyPr/>
+                    <a:lstStyle/>
+                    <a:p>
+                      <a:pPr algn="r" fontAlgn="b"/>
+                      <a:r>
+                        <a:rPr lang="en-US" sz="1000" b="0" u="none" strike="noStrike">
+                          <a:solidFill>
+                            <a:srgbClr val="000000"/>
+                          </a:solidFill>
+                          <a:effectLst/>
+                        </a:rPr>
+                        <a:t>0.01816452</a:t>
+                      </a:r>
+                      <a:endParaRPr lang="en-US" sz="1000" b="0" i="0" u="none" strike="noStrike">
+                        <a:solidFill>
+                          <a:srgbClr val="000000"/>
+                        </a:solidFill>
+                        <a:effectLst/>
+                        <a:latin typeface="Calibri" panose="020F0502020204030204" pitchFamily="34" charset="0"/>
+                      </a:endParaRPr>
+                    </a:p>
+                  </a:txBody>
+                  <a:tcPr marL="7618" marR="7618" marT="7618" marB="0" anchor="b"/>
+                </a:tc>
+                <a:tc>
+                  <a:txBody>
+                    <a:bodyPr/>
+                    <a:lstStyle/>
+                    <a:p>
+                      <a:pPr algn="r" fontAlgn="b"/>
+                      <a:r>
+                        <a:rPr lang="en-US" sz="1000" b="0" u="none" strike="noStrike">
+                          <a:solidFill>
+                            <a:srgbClr val="000000"/>
+                          </a:solidFill>
+                          <a:effectLst/>
+                        </a:rPr>
+                        <a:t>0.10203685</a:t>
+                      </a:r>
+                      <a:endParaRPr lang="en-US" sz="1000" b="0" i="0" u="none" strike="noStrike">
+                        <a:solidFill>
+                          <a:srgbClr val="000000"/>
+                        </a:solidFill>
+                        <a:effectLst/>
+                        <a:latin typeface="Calibri" panose="020F0502020204030204" pitchFamily="34" charset="0"/>
+                      </a:endParaRPr>
+                    </a:p>
+                  </a:txBody>
+                  <a:tcPr marL="7618" marR="7618" marT="7618" marB="0" anchor="b"/>
+                </a:tc>
+                <a:extLst>
+                  <a:ext uri="{0D108BD9-81ED-4DB2-BD59-A6C34878D82A}">
+                    <a16:rowId xmlns:a16="http://schemas.microsoft.com/office/drawing/2014/main" val="3126562212"/>
+                  </a:ext>
+                </a:extLst>
+              </a:tr>
+              <a:tr h="446408">
+                <a:tc>
+                  <a:txBody>
+                    <a:bodyPr/>
+                    <a:lstStyle/>
+                    <a:p>
+                      <a:pPr algn="l" fontAlgn="b"/>
+                      <a:r>
+                        <a:rPr lang="en-US" sz="1000" b="0" u="none" strike="noStrike">
+                          <a:solidFill>
+                            <a:srgbClr val="000000"/>
+                          </a:solidFill>
+                          <a:effectLst/>
+                        </a:rPr>
+                        <a:t>qNeutrophilsVal_max_9mth</a:t>
+                      </a:r>
+                      <a:endParaRPr lang="en-US" sz="1000" b="0" i="0" u="none" strike="noStrike">
+                        <a:solidFill>
+                          <a:srgbClr val="000000"/>
+                        </a:solidFill>
+                        <a:effectLst/>
+                        <a:latin typeface="Calibri" panose="020F0502020204030204" pitchFamily="34" charset="0"/>
+                      </a:endParaRPr>
+                    </a:p>
+                  </a:txBody>
+                  <a:tcPr marL="7618" marR="7618" marT="7618" marB="0" anchor="b"/>
+                </a:tc>
+                <a:tc>
+                  <a:txBody>
+                    <a:bodyPr/>
+                    <a:lstStyle/>
+                    <a:p>
+                      <a:pPr algn="r" fontAlgn="b"/>
+                      <a:r>
+                        <a:rPr lang="en-US" sz="1000" b="0" u="none" strike="noStrike" dirty="0">
+                          <a:solidFill>
+                            <a:srgbClr val="000000"/>
+                          </a:solidFill>
+                          <a:effectLst/>
+                        </a:rPr>
+                        <a:t>0.01765104</a:t>
+                      </a:r>
+                      <a:endParaRPr lang="en-US" sz="1000" b="0" i="0" u="none" strike="noStrike" dirty="0">
+                        <a:solidFill>
+                          <a:srgbClr val="000000"/>
+                        </a:solidFill>
+                        <a:effectLst/>
+                        <a:latin typeface="Calibri" panose="020F0502020204030204" pitchFamily="34" charset="0"/>
+                      </a:endParaRPr>
+                    </a:p>
+                  </a:txBody>
+                  <a:tcPr marL="7618" marR="7618" marT="7618" marB="0" anchor="b"/>
+                </a:tc>
+                <a:tc>
+                  <a:txBody>
+                    <a:bodyPr/>
+                    <a:lstStyle/>
+                    <a:p>
+                      <a:pPr algn="r" fontAlgn="b"/>
+                      <a:r>
+                        <a:rPr lang="en-US" sz="1000" b="0" u="none" strike="noStrike">
+                          <a:solidFill>
+                            <a:srgbClr val="000000"/>
+                          </a:solidFill>
+                          <a:effectLst/>
+                        </a:rPr>
+                        <a:t>0.11968789</a:t>
+                      </a:r>
+                      <a:endParaRPr lang="en-US" sz="1000" b="0" i="0" u="none" strike="noStrike">
+                        <a:solidFill>
+                          <a:srgbClr val="000000"/>
+                        </a:solidFill>
+                        <a:effectLst/>
+                        <a:latin typeface="Calibri" panose="020F0502020204030204" pitchFamily="34" charset="0"/>
+                      </a:endParaRPr>
+                    </a:p>
+                  </a:txBody>
+                  <a:tcPr marL="7618" marR="7618" marT="7618" marB="0" anchor="b"/>
+                </a:tc>
+                <a:extLst>
+                  <a:ext uri="{0D108BD9-81ED-4DB2-BD59-A6C34878D82A}">
+                    <a16:rowId xmlns:a16="http://schemas.microsoft.com/office/drawing/2014/main" val="378816998"/>
+                  </a:ext>
+                </a:extLst>
+              </a:tr>
+              <a:tr h="162515">
+                <a:tc>
+                  <a:txBody>
+                    <a:bodyPr/>
+                    <a:lstStyle/>
+                    <a:p>
+                      <a:pPr algn="l" fontAlgn="b"/>
+                      <a:r>
+                        <a:rPr lang="en-US" sz="1000" b="0" u="none" strike="noStrike">
+                          <a:solidFill>
+                            <a:srgbClr val="000000"/>
+                          </a:solidFill>
+                          <a:effectLst/>
+                        </a:rPr>
+                        <a:t>PatientAge</a:t>
+                      </a:r>
+                      <a:endParaRPr lang="en-US" sz="1000" b="0" i="0" u="none" strike="noStrike">
+                        <a:solidFill>
+                          <a:srgbClr val="000000"/>
+                        </a:solidFill>
+                        <a:effectLst/>
+                        <a:latin typeface="Calibri" panose="020F0502020204030204" pitchFamily="34" charset="0"/>
+                      </a:endParaRPr>
+                    </a:p>
+                  </a:txBody>
+                  <a:tcPr marL="7618" marR="7618" marT="7618" marB="0" anchor="b"/>
+                </a:tc>
+                <a:tc>
+                  <a:txBody>
+                    <a:bodyPr/>
+                    <a:lstStyle/>
+                    <a:p>
+                      <a:pPr algn="r" fontAlgn="b"/>
+                      <a:r>
+                        <a:rPr lang="en-US" sz="1000" b="0" u="none" strike="noStrike">
+                          <a:solidFill>
+                            <a:srgbClr val="000000"/>
+                          </a:solidFill>
+                          <a:effectLst/>
+                        </a:rPr>
+                        <a:t>0.01489728</a:t>
+                      </a:r>
+                      <a:endParaRPr lang="en-US" sz="1000" b="0" i="0" u="none" strike="noStrike">
+                        <a:solidFill>
+                          <a:srgbClr val="000000"/>
+                        </a:solidFill>
+                        <a:effectLst/>
+                        <a:latin typeface="Calibri" panose="020F0502020204030204" pitchFamily="34" charset="0"/>
+                      </a:endParaRPr>
+                    </a:p>
+                  </a:txBody>
+                  <a:tcPr marL="7618" marR="7618" marT="7618" marB="0" anchor="b"/>
+                </a:tc>
+                <a:tc>
+                  <a:txBody>
+                    <a:bodyPr/>
+                    <a:lstStyle/>
+                    <a:p>
+                      <a:pPr algn="r" fontAlgn="b"/>
+                      <a:r>
+                        <a:rPr lang="en-US" sz="1000" b="0" u="none" strike="noStrike">
+                          <a:solidFill>
+                            <a:srgbClr val="000000"/>
+                          </a:solidFill>
+                          <a:effectLst/>
+                        </a:rPr>
+                        <a:t>0.13458516</a:t>
+                      </a:r>
+                      <a:endParaRPr lang="en-US" sz="1000" b="0" i="0" u="none" strike="noStrike">
+                        <a:solidFill>
+                          <a:srgbClr val="000000"/>
+                        </a:solidFill>
+                        <a:effectLst/>
+                        <a:latin typeface="Calibri" panose="020F0502020204030204" pitchFamily="34" charset="0"/>
+                      </a:endParaRPr>
+                    </a:p>
+                  </a:txBody>
+                  <a:tcPr marL="7618" marR="7618" marT="7618" marB="0" anchor="b"/>
+                </a:tc>
+                <a:extLst>
+                  <a:ext uri="{0D108BD9-81ED-4DB2-BD59-A6C34878D82A}">
+                    <a16:rowId xmlns:a16="http://schemas.microsoft.com/office/drawing/2014/main" val="3923932420"/>
+                  </a:ext>
+                </a:extLst>
+              </a:tr>
+              <a:tr h="738935">
+                <a:tc>
+                  <a:txBody>
+                    <a:bodyPr/>
+                    <a:lstStyle/>
+                    <a:p>
+                      <a:pPr algn="l" fontAlgn="b"/>
+                      <a:r>
+                        <a:rPr lang="en-US" sz="1000" b="0" u="none" strike="noStrike">
+                          <a:solidFill>
+                            <a:srgbClr val="000000"/>
+                          </a:solidFill>
+                          <a:effectLst/>
+                        </a:rPr>
+                        <a:t>zscore_age_qExch4CAPDOtherSolType_sum_12mth</a:t>
+                      </a:r>
+                      <a:endParaRPr lang="en-US" sz="1000" b="0" i="0" u="none" strike="noStrike">
+                        <a:solidFill>
+                          <a:srgbClr val="000000"/>
+                        </a:solidFill>
+                        <a:effectLst/>
+                        <a:latin typeface="Calibri" panose="020F0502020204030204" pitchFamily="34" charset="0"/>
+                      </a:endParaRPr>
+                    </a:p>
+                  </a:txBody>
+                  <a:tcPr marL="7618" marR="7618" marT="7618" marB="0" anchor="b"/>
+                </a:tc>
+                <a:tc>
+                  <a:txBody>
+                    <a:bodyPr/>
+                    <a:lstStyle/>
+                    <a:p>
+                      <a:pPr algn="r" fontAlgn="b"/>
+                      <a:r>
+                        <a:rPr lang="en-US" sz="1000" b="0" u="none" strike="noStrike">
+                          <a:solidFill>
+                            <a:srgbClr val="000000"/>
+                          </a:solidFill>
+                          <a:effectLst/>
+                        </a:rPr>
+                        <a:t>0.01479989</a:t>
+                      </a:r>
+                      <a:endParaRPr lang="en-US" sz="1000" b="0" i="0" u="none" strike="noStrike">
+                        <a:solidFill>
+                          <a:srgbClr val="000000"/>
+                        </a:solidFill>
+                        <a:effectLst/>
+                        <a:latin typeface="Calibri" panose="020F0502020204030204" pitchFamily="34" charset="0"/>
+                      </a:endParaRPr>
+                    </a:p>
+                  </a:txBody>
+                  <a:tcPr marL="7618" marR="7618" marT="7618" marB="0" anchor="b"/>
+                </a:tc>
+                <a:tc>
+                  <a:txBody>
+                    <a:bodyPr/>
+                    <a:lstStyle/>
+                    <a:p>
+                      <a:pPr algn="r" fontAlgn="b"/>
+                      <a:r>
+                        <a:rPr lang="en-US" sz="1000" b="0" u="none" strike="noStrike">
+                          <a:solidFill>
+                            <a:srgbClr val="000000"/>
+                          </a:solidFill>
+                          <a:effectLst/>
+                        </a:rPr>
+                        <a:t>0.14938506</a:t>
+                      </a:r>
+                      <a:endParaRPr lang="en-US" sz="1000" b="0" i="0" u="none" strike="noStrike">
+                        <a:solidFill>
+                          <a:srgbClr val="000000"/>
+                        </a:solidFill>
+                        <a:effectLst/>
+                        <a:latin typeface="Calibri" panose="020F0502020204030204" pitchFamily="34" charset="0"/>
+                      </a:endParaRPr>
+                    </a:p>
+                  </a:txBody>
+                  <a:tcPr marL="7618" marR="7618" marT="7618" marB="0" anchor="b"/>
+                </a:tc>
+                <a:extLst>
+                  <a:ext uri="{0D108BD9-81ED-4DB2-BD59-A6C34878D82A}">
+                    <a16:rowId xmlns:a16="http://schemas.microsoft.com/office/drawing/2014/main" val="373830588"/>
+                  </a:ext>
+                </a:extLst>
+              </a:tr>
+              <a:tr h="446408">
+                <a:tc>
+                  <a:txBody>
+                    <a:bodyPr/>
+                    <a:lstStyle/>
+                    <a:p>
+                      <a:pPr algn="l" fontAlgn="b"/>
+                      <a:r>
+                        <a:rPr lang="en-US" sz="1000" b="0" u="none" strike="noStrike">
+                          <a:solidFill>
+                            <a:srgbClr val="000000"/>
+                          </a:solidFill>
+                          <a:effectLst/>
+                        </a:rPr>
+                        <a:t>zscore_age_BactInfec_sum_12mth</a:t>
+                      </a:r>
+                      <a:endParaRPr lang="en-US" sz="1000" b="0" i="0" u="none" strike="noStrike">
+                        <a:solidFill>
+                          <a:srgbClr val="000000"/>
+                        </a:solidFill>
+                        <a:effectLst/>
+                        <a:latin typeface="Calibri" panose="020F0502020204030204" pitchFamily="34" charset="0"/>
+                      </a:endParaRPr>
+                    </a:p>
+                  </a:txBody>
+                  <a:tcPr marL="7618" marR="7618" marT="7618" marB="0" anchor="b"/>
+                </a:tc>
+                <a:tc>
+                  <a:txBody>
+                    <a:bodyPr/>
+                    <a:lstStyle/>
+                    <a:p>
+                      <a:pPr algn="r" fontAlgn="b"/>
+                      <a:r>
+                        <a:rPr lang="en-US" sz="1000" b="0" u="none" strike="noStrike">
+                          <a:solidFill>
+                            <a:srgbClr val="000000"/>
+                          </a:solidFill>
+                          <a:effectLst/>
+                        </a:rPr>
+                        <a:t>0.01454817</a:t>
+                      </a:r>
+                      <a:endParaRPr lang="en-US" sz="1000" b="0" i="0" u="none" strike="noStrike">
+                        <a:solidFill>
+                          <a:srgbClr val="000000"/>
+                        </a:solidFill>
+                        <a:effectLst/>
+                        <a:latin typeface="Calibri" panose="020F0502020204030204" pitchFamily="34" charset="0"/>
+                      </a:endParaRPr>
+                    </a:p>
+                  </a:txBody>
+                  <a:tcPr marL="7618" marR="7618" marT="7618" marB="0" anchor="b"/>
+                </a:tc>
+                <a:tc>
+                  <a:txBody>
+                    <a:bodyPr/>
+                    <a:lstStyle/>
+                    <a:p>
+                      <a:pPr algn="r" fontAlgn="b"/>
+                      <a:r>
+                        <a:rPr lang="en-US" sz="1000" b="0" u="none" strike="noStrike">
+                          <a:solidFill>
+                            <a:srgbClr val="000000"/>
+                          </a:solidFill>
+                          <a:effectLst/>
+                        </a:rPr>
+                        <a:t>0.16393323</a:t>
+                      </a:r>
+                      <a:endParaRPr lang="en-US" sz="1000" b="0" i="0" u="none" strike="noStrike">
+                        <a:solidFill>
+                          <a:srgbClr val="000000"/>
+                        </a:solidFill>
+                        <a:effectLst/>
+                        <a:latin typeface="Calibri" panose="020F0502020204030204" pitchFamily="34" charset="0"/>
+                      </a:endParaRPr>
+                    </a:p>
+                  </a:txBody>
+                  <a:tcPr marL="7618" marR="7618" marT="7618" marB="0" anchor="b"/>
+                </a:tc>
+                <a:extLst>
+                  <a:ext uri="{0D108BD9-81ED-4DB2-BD59-A6C34878D82A}">
+                    <a16:rowId xmlns:a16="http://schemas.microsoft.com/office/drawing/2014/main" val="3250654222"/>
+                  </a:ext>
+                </a:extLst>
+              </a:tr>
+              <a:tr h="592672">
+                <a:tc>
+                  <a:txBody>
+                    <a:bodyPr/>
+                    <a:lstStyle/>
+                    <a:p>
+                      <a:pPr algn="l" fontAlgn="b"/>
+                      <a:r>
+                        <a:rPr lang="en-US" sz="1000" b="0" u="none" strike="noStrike">
+                          <a:solidFill>
+                            <a:srgbClr val="000000"/>
+                          </a:solidFill>
+                          <a:effectLst/>
+                        </a:rPr>
+                        <a:t>zscore_age_qWeightVolVitalVal_sum_9mth</a:t>
+                      </a:r>
+                      <a:endParaRPr lang="en-US" sz="1000" b="0" i="0" u="none" strike="noStrike">
+                        <a:solidFill>
+                          <a:srgbClr val="000000"/>
+                        </a:solidFill>
+                        <a:effectLst/>
+                        <a:latin typeface="Calibri" panose="020F0502020204030204" pitchFamily="34" charset="0"/>
+                      </a:endParaRPr>
+                    </a:p>
+                  </a:txBody>
+                  <a:tcPr marL="7618" marR="7618" marT="7618" marB="0" anchor="b"/>
+                </a:tc>
+                <a:tc>
+                  <a:txBody>
+                    <a:bodyPr/>
+                    <a:lstStyle/>
+                    <a:p>
+                      <a:pPr algn="r" fontAlgn="b"/>
+                      <a:r>
+                        <a:rPr lang="en-US" sz="1000" b="0" u="none" strike="noStrike">
+                          <a:solidFill>
+                            <a:srgbClr val="000000"/>
+                          </a:solidFill>
+                          <a:effectLst/>
+                        </a:rPr>
+                        <a:t>0.01383211</a:t>
+                      </a:r>
+                      <a:endParaRPr lang="en-US" sz="1000" b="0" i="0" u="none" strike="noStrike">
+                        <a:solidFill>
+                          <a:srgbClr val="000000"/>
+                        </a:solidFill>
+                        <a:effectLst/>
+                        <a:latin typeface="Calibri" panose="020F0502020204030204" pitchFamily="34" charset="0"/>
+                      </a:endParaRPr>
+                    </a:p>
+                  </a:txBody>
+                  <a:tcPr marL="7618" marR="7618" marT="7618" marB="0" anchor="b"/>
+                </a:tc>
+                <a:tc>
+                  <a:txBody>
+                    <a:bodyPr/>
+                    <a:lstStyle/>
+                    <a:p>
+                      <a:pPr algn="r" fontAlgn="b"/>
+                      <a:r>
+                        <a:rPr lang="en-US" sz="1000" b="0" u="none" strike="noStrike" dirty="0">
+                          <a:solidFill>
+                            <a:srgbClr val="000000"/>
+                          </a:solidFill>
+                          <a:effectLst/>
+                        </a:rPr>
+                        <a:t>0.17776534</a:t>
+                      </a:r>
+                      <a:endParaRPr lang="en-US" sz="1000" b="0" i="0" u="none" strike="noStrike" dirty="0">
+                        <a:solidFill>
+                          <a:srgbClr val="000000"/>
+                        </a:solidFill>
+                        <a:effectLst/>
+                        <a:latin typeface="Calibri" panose="020F0502020204030204" pitchFamily="34" charset="0"/>
+                      </a:endParaRPr>
+                    </a:p>
+                  </a:txBody>
+                  <a:tcPr marL="7618" marR="7618" marT="7618" marB="0" anchor="b"/>
+                </a:tc>
+                <a:extLst>
+                  <a:ext uri="{0D108BD9-81ED-4DB2-BD59-A6C34878D82A}">
+                    <a16:rowId xmlns:a16="http://schemas.microsoft.com/office/drawing/2014/main" val="533272538"/>
+                  </a:ext>
+                </a:extLst>
+              </a:tr>
+            </a:tbl>
+          </a:graphicData>
+        </a:graphic>
+      </p:graphicFrame>
+    </p:spTree>
+    <p:extLst>
+      <p:ext uri="{BB962C8B-B14F-4D97-AF65-F5344CB8AC3E}">
+        <p14:creationId xmlns:p14="http://schemas.microsoft.com/office/powerpoint/2010/main" val="714344067"/>
+      </p:ext>
+    </p:extLst>
+  </p:cSld>
+  <p:clrMapOvr>
+    <a:masterClrMapping/>
+  </p:clrMapOvr>
+</p:sld>
+</file>
+
+<file path=ppt/slides/slide6.xml><?xml version="1.0" encoding="utf-8"?>
+<p:sld xmlns:a="http://schemas.openxmlformats.org/drawingml/2006/main" xmlns:r="http://schemas.openxmlformats.org/officeDocument/2006/relationships" xmlns:p="http://schemas.openxmlformats.org/presentationml/2006/main">
+  <p:cSld>
+    <p:spTree>
+      <p:nvGrpSpPr>
+        <p:cNvPr id="1" name=""/>
+        <p:cNvGrpSpPr/>
+        <p:nvPr/>
+      </p:nvGrpSpPr>
+      <p:grpSpPr>
+        <a:xfrm>
+          <a:off x="0" y="0"/>
+          <a:ext cx="0" cy="0"/>
+          <a:chOff x="0" y="0"/>
+          <a:chExt cx="0" cy="0"/>
+        </a:xfrm>
+      </p:grpSpPr>
+      <p:sp>
+        <p:nvSpPr>
+          <p:cNvPr id="2" name="Title 1">
+            <a:extLst>
+              <a:ext uri="{FF2B5EF4-FFF2-40B4-BE49-F238E27FC236}">
                 <a16:creationId xmlns:a16="http://schemas.microsoft.com/office/drawing/2014/main" id="{3450A313-A07D-784A-9865-F69F82A1C201}"/>
               </a:ext>
             </a:extLst>
@@ -6988,7 +9040,7 @@
 </p:sld>
 </file>
 
-<file path=ppt/slides/slide5.xml><?xml version="1.0" encoding="utf-8"?>
+<file path=ppt/slides/slide7.xml><?xml version="1.0" encoding="utf-8"?>
 <p:sld xmlns:a="http://schemas.openxmlformats.org/drawingml/2006/main" xmlns:r="http://schemas.openxmlformats.org/officeDocument/2006/relationships" xmlns:p="http://schemas.openxmlformats.org/presentationml/2006/main">
   <p:cSld>
     <p:spTree>
@@ -8740,7 +10792,7 @@
 </p:sld>
 </file>
 
-<file path=ppt/slides/slide6.xml><?xml version="1.0" encoding="utf-8"?>
+<file path=ppt/slides/slide8.xml><?xml version="1.0" encoding="utf-8"?>
 <p:sld xmlns:a="http://schemas.openxmlformats.org/drawingml/2006/main" xmlns:r="http://schemas.openxmlformats.org/officeDocument/2006/relationships" xmlns:p="http://schemas.openxmlformats.org/presentationml/2006/main">
   <p:cSld>
     <p:spTree>
@@ -10863,7 +12915,7 @@
 </p:sld>
 </file>
 
-<file path=ppt/slides/slide7.xml><?xml version="1.0" encoding="utf-8"?>
+<file path=ppt/slides/slide9.xml><?xml version="1.0" encoding="utf-8"?>
 <p:sld xmlns:a="http://schemas.openxmlformats.org/drawingml/2006/main" xmlns:r="http://schemas.openxmlformats.org/officeDocument/2006/relationships" xmlns:p="http://schemas.openxmlformats.org/presentationml/2006/main">
   <p:cSld>
     <p:spTree>

--- a/Slide.pptx
+++ b/Slide.pptx
@@ -267,7 +267,7 @@
           <a:p>
             <a:fld id="{C664B636-2587-524A-B764-235F773F446F}" type="datetimeFigureOut">
               <a:rPr lang="en-US" smtClean="0"/>
-              <a:t>8/7/21</a:t>
+              <a:t>8/8/21</a:t>
             </a:fld>
             <a:endParaRPr lang="en-US"/>
           </a:p>
@@ -465,7 +465,7 @@
           <a:p>
             <a:fld id="{C664B636-2587-524A-B764-235F773F446F}" type="datetimeFigureOut">
               <a:rPr lang="en-US" smtClean="0"/>
-              <a:t>8/7/21</a:t>
+              <a:t>8/8/21</a:t>
             </a:fld>
             <a:endParaRPr lang="en-US"/>
           </a:p>
@@ -673,7 +673,7 @@
           <a:p>
             <a:fld id="{C664B636-2587-524A-B764-235F773F446F}" type="datetimeFigureOut">
               <a:rPr lang="en-US" smtClean="0"/>
-              <a:t>8/7/21</a:t>
+              <a:t>8/8/21</a:t>
             </a:fld>
             <a:endParaRPr lang="en-US"/>
           </a:p>
@@ -871,7 +871,7 @@
           <a:p>
             <a:fld id="{C664B636-2587-524A-B764-235F773F446F}" type="datetimeFigureOut">
               <a:rPr lang="en-US" smtClean="0"/>
-              <a:t>8/7/21</a:t>
+              <a:t>8/8/21</a:t>
             </a:fld>
             <a:endParaRPr lang="en-US"/>
           </a:p>
@@ -1146,7 +1146,7 @@
           <a:p>
             <a:fld id="{C664B636-2587-524A-B764-235F773F446F}" type="datetimeFigureOut">
               <a:rPr lang="en-US" smtClean="0"/>
-              <a:t>8/7/21</a:t>
+              <a:t>8/8/21</a:t>
             </a:fld>
             <a:endParaRPr lang="en-US"/>
           </a:p>
@@ -1411,7 +1411,7 @@
           <a:p>
             <a:fld id="{C664B636-2587-524A-B764-235F773F446F}" type="datetimeFigureOut">
               <a:rPr lang="en-US" smtClean="0"/>
-              <a:t>8/7/21</a:t>
+              <a:t>8/8/21</a:t>
             </a:fld>
             <a:endParaRPr lang="en-US"/>
           </a:p>
@@ -1823,7 +1823,7 @@
           <a:p>
             <a:fld id="{C664B636-2587-524A-B764-235F773F446F}" type="datetimeFigureOut">
               <a:rPr lang="en-US" smtClean="0"/>
-              <a:t>8/7/21</a:t>
+              <a:t>8/8/21</a:t>
             </a:fld>
             <a:endParaRPr lang="en-US"/>
           </a:p>
@@ -1964,7 +1964,7 @@
           <a:p>
             <a:fld id="{C664B636-2587-524A-B764-235F773F446F}" type="datetimeFigureOut">
               <a:rPr lang="en-US" smtClean="0"/>
-              <a:t>8/7/21</a:t>
+              <a:t>8/8/21</a:t>
             </a:fld>
             <a:endParaRPr lang="en-US"/>
           </a:p>
@@ -2077,7 +2077,7 @@
           <a:p>
             <a:fld id="{C664B636-2587-524A-B764-235F773F446F}" type="datetimeFigureOut">
               <a:rPr lang="en-US" smtClean="0"/>
-              <a:t>8/7/21</a:t>
+              <a:t>8/8/21</a:t>
             </a:fld>
             <a:endParaRPr lang="en-US"/>
           </a:p>
@@ -2388,7 +2388,7 @@
           <a:p>
             <a:fld id="{C664B636-2587-524A-B764-235F773F446F}" type="datetimeFigureOut">
               <a:rPr lang="en-US" smtClean="0"/>
-              <a:t>8/7/21</a:t>
+              <a:t>8/8/21</a:t>
             </a:fld>
             <a:endParaRPr lang="en-US"/>
           </a:p>
@@ -2676,7 +2676,7 @@
           <a:p>
             <a:fld id="{C664B636-2587-524A-B764-235F773F446F}" type="datetimeFigureOut">
               <a:rPr lang="en-US" smtClean="0"/>
-              <a:t>8/7/21</a:t>
+              <a:t>8/8/21</a:t>
             </a:fld>
             <a:endParaRPr lang="en-US"/>
           </a:p>
@@ -2917,7 +2917,7 @@
           <a:p>
             <a:fld id="{C664B636-2587-524A-B764-235F773F446F}" type="datetimeFigureOut">
               <a:rPr lang="en-US" smtClean="0"/>
-              <a:t>8/7/21</a:t>
+              <a:t>8/8/21</a:t>
             </a:fld>
             <a:endParaRPr lang="en-US"/>
           </a:p>
@@ -6835,6 +6835,430 @@
           </a:p>
         </p:txBody>
       </p:sp>
+      <p:sp>
+        <p:nvSpPr>
+          <p:cNvPr id="11" name="TextBox 10">
+            <a:extLst>
+              <a:ext uri="{FF2B5EF4-FFF2-40B4-BE49-F238E27FC236}">
+                <a16:creationId xmlns:a16="http://schemas.microsoft.com/office/drawing/2014/main" id="{DF001484-10FB-D146-8DE5-DD421E3C97E2}"/>
+              </a:ext>
+            </a:extLst>
+          </p:cNvPr>
+          <p:cNvSpPr txBox="1"/>
+          <p:nvPr/>
+        </p:nvSpPr>
+        <p:spPr>
+          <a:xfrm>
+            <a:off x="6452449" y="1173081"/>
+            <a:ext cx="1602746" cy="369332"/>
+          </a:xfrm>
+          <a:prstGeom prst="rect">
+            <a:avLst/>
+          </a:prstGeom>
+          <a:noFill/>
+        </p:spPr>
+        <p:txBody>
+          <a:bodyPr wrap="none" rtlCol="0">
+            <a:spAutoFit/>
+          </a:bodyPr>
+          <a:lstStyle/>
+          <a:p>
+            <a:r>
+              <a:rPr lang="en-US" dirty="0"/>
+              <a:t>Target Creating</a:t>
+            </a:r>
+          </a:p>
+        </p:txBody>
+      </p:sp>
+      <p:graphicFrame>
+        <p:nvGraphicFramePr>
+          <p:cNvPr id="12" name="Table 5">
+            <a:extLst>
+              <a:ext uri="{FF2B5EF4-FFF2-40B4-BE49-F238E27FC236}">
+                <a16:creationId xmlns:a16="http://schemas.microsoft.com/office/drawing/2014/main" id="{FA7C0F67-4DB5-AE4B-9BBE-E73BFFCB76AE}"/>
+              </a:ext>
+            </a:extLst>
+          </p:cNvPr>
+          <p:cNvGraphicFramePr>
+            <a:graphicFrameLocks noGrp="1"/>
+          </p:cNvGraphicFramePr>
+          <p:nvPr>
+            <p:extLst>
+              <p:ext uri="{D42A27DB-BD31-4B8C-83A1-F6EECF244321}">
+                <p14:modId xmlns:p14="http://schemas.microsoft.com/office/powerpoint/2010/main" val="622794666"/>
+              </p:ext>
+            </p:extLst>
+          </p:nvPr>
+        </p:nvGraphicFramePr>
+        <p:xfrm>
+          <a:off x="6555908" y="1620411"/>
+          <a:ext cx="2398946" cy="634612"/>
+        </p:xfrm>
+        <a:graphic>
+          <a:graphicData uri="http://schemas.openxmlformats.org/drawingml/2006/table">
+            <a:tbl>
+              <a:tblPr firstRow="1" bandRow="1">
+                <a:tableStyleId>{5940675A-B579-460E-94D1-54222C63F5DA}</a:tableStyleId>
+              </a:tblPr>
+              <a:tblGrid>
+                <a:gridCol w="1199473">
+                  <a:extLst>
+                    <a:ext uri="{9D8B030D-6E8A-4147-A177-3AD203B41FA5}">
+                      <a16:colId xmlns:a16="http://schemas.microsoft.com/office/drawing/2014/main" val="2634844869"/>
+                    </a:ext>
+                  </a:extLst>
+                </a:gridCol>
+                <a:gridCol w="1199473">
+                  <a:extLst>
+                    <a:ext uri="{9D8B030D-6E8A-4147-A177-3AD203B41FA5}">
+                      <a16:colId xmlns:a16="http://schemas.microsoft.com/office/drawing/2014/main" val="2870402623"/>
+                    </a:ext>
+                  </a:extLst>
+                </a:gridCol>
+              </a:tblGrid>
+              <a:tr h="317306">
+                <a:tc>
+                  <a:txBody>
+                    <a:bodyPr/>
+                    <a:lstStyle/>
+                    <a:p>
+                      <a:r>
+                        <a:rPr lang="en-US" sz="1400" dirty="0" err="1"/>
+                        <a:t>idd</a:t>
+                      </a:r>
+                      <a:endParaRPr lang="en-US" sz="1400" dirty="0"/>
+                    </a:p>
+                  </a:txBody>
+                  <a:tcPr/>
+                </a:tc>
+                <a:tc>
+                  <a:txBody>
+                    <a:bodyPr/>
+                    <a:lstStyle/>
+                    <a:p>
+                      <a:r>
+                        <a:rPr lang="en-US" sz="1400" dirty="0" err="1"/>
+                        <a:t>Infected_date</a:t>
+                      </a:r>
+                      <a:endParaRPr lang="en-US" sz="1400" dirty="0"/>
+                    </a:p>
+                  </a:txBody>
+                  <a:tcPr/>
+                </a:tc>
+                <a:extLst>
+                  <a:ext uri="{0D108BD9-81ED-4DB2-BD59-A6C34878D82A}">
+                    <a16:rowId xmlns:a16="http://schemas.microsoft.com/office/drawing/2014/main" val="1027956728"/>
+                  </a:ext>
+                </a:extLst>
+              </a:tr>
+              <a:tr h="317306">
+                <a:tc>
+                  <a:txBody>
+                    <a:bodyPr/>
+                    <a:lstStyle/>
+                    <a:p>
+                      <a:r>
+                        <a:rPr lang="en-US" sz="1400" dirty="0"/>
+                        <a:t>801</a:t>
+                      </a:r>
+                    </a:p>
+                  </a:txBody>
+                  <a:tcPr/>
+                </a:tc>
+                <a:tc>
+                  <a:txBody>
+                    <a:bodyPr/>
+                    <a:lstStyle/>
+                    <a:p>
+                      <a:r>
+                        <a:rPr lang="en-US" sz="1400" b="0" kern="1200" dirty="0">
+                          <a:solidFill>
+                            <a:schemeClr val="dk1"/>
+                          </a:solidFill>
+                          <a:effectLst/>
+                        </a:rPr>
+                        <a:t>2017-05-01</a:t>
+                      </a:r>
+                      <a:endParaRPr lang="en-US" sz="1400" dirty="0"/>
+                    </a:p>
+                  </a:txBody>
+                  <a:tcPr/>
+                </a:tc>
+                <a:extLst>
+                  <a:ext uri="{0D108BD9-81ED-4DB2-BD59-A6C34878D82A}">
+                    <a16:rowId xmlns:a16="http://schemas.microsoft.com/office/drawing/2014/main" val="1684182507"/>
+                  </a:ext>
+                </a:extLst>
+              </a:tr>
+            </a:tbl>
+          </a:graphicData>
+        </a:graphic>
+      </p:graphicFrame>
+      <p:graphicFrame>
+        <p:nvGraphicFramePr>
+          <p:cNvPr id="13" name="Table 5">
+            <a:extLst>
+              <a:ext uri="{FF2B5EF4-FFF2-40B4-BE49-F238E27FC236}">
+                <a16:creationId xmlns:a16="http://schemas.microsoft.com/office/drawing/2014/main" id="{D5D62835-9114-994E-9C81-B341E8BB4A7A}"/>
+              </a:ext>
+            </a:extLst>
+          </p:cNvPr>
+          <p:cNvGraphicFramePr>
+            <a:graphicFrameLocks noGrp="1"/>
+          </p:cNvGraphicFramePr>
+          <p:nvPr>
+            <p:extLst>
+              <p:ext uri="{D42A27DB-BD31-4B8C-83A1-F6EECF244321}">
+                <p14:modId xmlns:p14="http://schemas.microsoft.com/office/powerpoint/2010/main" val="287451093"/>
+              </p:ext>
+            </p:extLst>
+          </p:nvPr>
+        </p:nvGraphicFramePr>
+        <p:xfrm>
+          <a:off x="9678022" y="1620411"/>
+          <a:ext cx="2398946" cy="1586530"/>
+        </p:xfrm>
+        <a:graphic>
+          <a:graphicData uri="http://schemas.openxmlformats.org/drawingml/2006/table">
+            <a:tbl>
+              <a:tblPr firstRow="1" bandRow="1">
+                <a:tableStyleId>{5940675A-B579-460E-94D1-54222C63F5DA}</a:tableStyleId>
+              </a:tblPr>
+              <a:tblGrid>
+                <a:gridCol w="1199473">
+                  <a:extLst>
+                    <a:ext uri="{9D8B030D-6E8A-4147-A177-3AD203B41FA5}">
+                      <a16:colId xmlns:a16="http://schemas.microsoft.com/office/drawing/2014/main" val="2634844869"/>
+                    </a:ext>
+                  </a:extLst>
+                </a:gridCol>
+                <a:gridCol w="1199473">
+                  <a:extLst>
+                    <a:ext uri="{9D8B030D-6E8A-4147-A177-3AD203B41FA5}">
+                      <a16:colId xmlns:a16="http://schemas.microsoft.com/office/drawing/2014/main" val="2870402623"/>
+                    </a:ext>
+                  </a:extLst>
+                </a:gridCol>
+              </a:tblGrid>
+              <a:tr h="317306">
+                <a:tc>
+                  <a:txBody>
+                    <a:bodyPr/>
+                    <a:lstStyle/>
+                    <a:p>
+                      <a:r>
+                        <a:rPr lang="en-US" sz="1400" dirty="0" err="1"/>
+                        <a:t>idd</a:t>
+                      </a:r>
+                      <a:endParaRPr lang="en-US" sz="1400" dirty="0"/>
+                    </a:p>
+                  </a:txBody>
+                  <a:tcPr/>
+                </a:tc>
+                <a:tc>
+                  <a:txBody>
+                    <a:bodyPr/>
+                    <a:lstStyle/>
+                    <a:p>
+                      <a:r>
+                        <a:rPr lang="en-US" sz="1400" dirty="0" err="1"/>
+                        <a:t>ft_data_dt</a:t>
+                      </a:r>
+                      <a:endParaRPr lang="en-US" sz="1400" dirty="0"/>
+                    </a:p>
+                  </a:txBody>
+                  <a:tcPr/>
+                </a:tc>
+                <a:extLst>
+                  <a:ext uri="{0D108BD9-81ED-4DB2-BD59-A6C34878D82A}">
+                    <a16:rowId xmlns:a16="http://schemas.microsoft.com/office/drawing/2014/main" val="1027956728"/>
+                  </a:ext>
+                </a:extLst>
+              </a:tr>
+              <a:tr h="317306">
+                <a:tc>
+                  <a:txBody>
+                    <a:bodyPr/>
+                    <a:lstStyle/>
+                    <a:p>
+                      <a:r>
+                        <a:rPr lang="en-US" sz="1400" dirty="0"/>
+                        <a:t>801</a:t>
+                      </a:r>
+                    </a:p>
+                  </a:txBody>
+                  <a:tcPr/>
+                </a:tc>
+                <a:tc>
+                  <a:txBody>
+                    <a:bodyPr/>
+                    <a:lstStyle/>
+                    <a:p>
+                      <a:r>
+                        <a:rPr lang="en-US" sz="1400" b="0" kern="1200" dirty="0">
+                          <a:solidFill>
+                            <a:schemeClr val="dk1"/>
+                          </a:solidFill>
+                          <a:effectLst/>
+                        </a:rPr>
+                        <a:t>2017-05-31</a:t>
+                      </a:r>
+                      <a:endParaRPr lang="en-US" sz="1400" dirty="0"/>
+                    </a:p>
+                  </a:txBody>
+                  <a:tcPr/>
+                </a:tc>
+                <a:extLst>
+                  <a:ext uri="{0D108BD9-81ED-4DB2-BD59-A6C34878D82A}">
+                    <a16:rowId xmlns:a16="http://schemas.microsoft.com/office/drawing/2014/main" val="1684182507"/>
+                  </a:ext>
+                </a:extLst>
+              </a:tr>
+              <a:tr h="317306">
+                <a:tc>
+                  <a:txBody>
+                    <a:bodyPr/>
+                    <a:lstStyle/>
+                    <a:p>
+                      <a:r>
+                        <a:rPr lang="en-US" sz="1400" dirty="0"/>
+                        <a:t>801</a:t>
+                      </a:r>
+                    </a:p>
+                  </a:txBody>
+                  <a:tcPr/>
+                </a:tc>
+                <a:tc>
+                  <a:txBody>
+                    <a:bodyPr/>
+                    <a:lstStyle/>
+                    <a:p>
+                      <a:r>
+                        <a:rPr lang="en-US" sz="1400" dirty="0"/>
+                        <a:t>2017-06-30</a:t>
+                      </a:r>
+                    </a:p>
+                  </a:txBody>
+                  <a:tcPr/>
+                </a:tc>
+                <a:extLst>
+                  <a:ext uri="{0D108BD9-81ED-4DB2-BD59-A6C34878D82A}">
+                    <a16:rowId xmlns:a16="http://schemas.microsoft.com/office/drawing/2014/main" val="2894857250"/>
+                  </a:ext>
+                </a:extLst>
+              </a:tr>
+              <a:tr h="317306">
+                <a:tc>
+                  <a:txBody>
+                    <a:bodyPr/>
+                    <a:lstStyle/>
+                    <a:p>
+                      <a:r>
+                        <a:rPr lang="en-US" sz="1400" dirty="0"/>
+                        <a:t>801</a:t>
+                      </a:r>
+                    </a:p>
+                  </a:txBody>
+                  <a:tcPr/>
+                </a:tc>
+                <a:tc>
+                  <a:txBody>
+                    <a:bodyPr/>
+                    <a:lstStyle/>
+                    <a:p>
+                      <a:r>
+                        <a:rPr lang="en-US" sz="1400" dirty="0"/>
+                        <a:t>…</a:t>
+                      </a:r>
+                    </a:p>
+                  </a:txBody>
+                  <a:tcPr/>
+                </a:tc>
+                <a:extLst>
+                  <a:ext uri="{0D108BD9-81ED-4DB2-BD59-A6C34878D82A}">
+                    <a16:rowId xmlns:a16="http://schemas.microsoft.com/office/drawing/2014/main" val="2093898686"/>
+                  </a:ext>
+                </a:extLst>
+              </a:tr>
+              <a:tr h="317306">
+                <a:tc>
+                  <a:txBody>
+                    <a:bodyPr/>
+                    <a:lstStyle/>
+                    <a:p>
+                      <a:r>
+                        <a:rPr lang="en-US" sz="1400" dirty="0"/>
+                        <a:t>801</a:t>
+                      </a:r>
+                    </a:p>
+                  </a:txBody>
+                  <a:tcPr/>
+                </a:tc>
+                <a:tc>
+                  <a:txBody>
+                    <a:bodyPr/>
+                    <a:lstStyle/>
+                    <a:p>
+                      <a:r>
+                        <a:rPr lang="en-US" sz="1400" dirty="0"/>
+                        <a:t>2021-08-31</a:t>
+                      </a:r>
+                    </a:p>
+                  </a:txBody>
+                  <a:tcPr/>
+                </a:tc>
+                <a:extLst>
+                  <a:ext uri="{0D108BD9-81ED-4DB2-BD59-A6C34878D82A}">
+                    <a16:rowId xmlns:a16="http://schemas.microsoft.com/office/drawing/2014/main" val="1774672375"/>
+                  </a:ext>
+                </a:extLst>
+              </a:tr>
+            </a:tbl>
+          </a:graphicData>
+        </a:graphic>
+      </p:graphicFrame>
+      <p:cxnSp>
+        <p:nvCxnSpPr>
+          <p:cNvPr id="14" name="Straight Arrow Connector 13">
+            <a:extLst>
+              <a:ext uri="{FF2B5EF4-FFF2-40B4-BE49-F238E27FC236}">
+                <a16:creationId xmlns:a16="http://schemas.microsoft.com/office/drawing/2014/main" id="{06F8DDDC-54F9-5B4B-8CAB-1176435CD020}"/>
+              </a:ext>
+            </a:extLst>
+          </p:cNvPr>
+          <p:cNvCxnSpPr>
+            <a:cxnSpLocks/>
+            <a:stCxn id="12" idx="3"/>
+          </p:cNvCxnSpPr>
+          <p:nvPr/>
+        </p:nvCxnSpPr>
+        <p:spPr>
+          <a:xfrm>
+            <a:off x="8954854" y="1937717"/>
+            <a:ext cx="723168" cy="0"/>
+          </a:xfrm>
+          <a:prstGeom prst="straightConnector1">
+            <a:avLst/>
+          </a:prstGeom>
+          <a:ln>
+            <a:tailEnd type="triangle"/>
+          </a:ln>
+        </p:spPr>
+        <p:style>
+          <a:lnRef idx="1">
+            <a:schemeClr val="accent1"/>
+          </a:lnRef>
+          <a:fillRef idx="0">
+            <a:schemeClr val="accent1"/>
+          </a:fillRef>
+          <a:effectRef idx="0">
+            <a:schemeClr val="accent1"/>
+          </a:effectRef>
+          <a:fontRef idx="minor">
+            <a:schemeClr val="tx1"/>
+          </a:fontRef>
+        </p:style>
+      </p:cxnSp>
     </p:spTree>
     <p:extLst>
       <p:ext uri="{BB962C8B-B14F-4D97-AF65-F5344CB8AC3E}">

--- a/Slide.pptx
+++ b/Slide.pptx
@@ -10,10 +10,11 @@
     <p:sldId id="258" r:id="rId4"/>
     <p:sldId id="263" r:id="rId5"/>
     <p:sldId id="264" r:id="rId6"/>
-    <p:sldId id="259" r:id="rId7"/>
-    <p:sldId id="260" r:id="rId8"/>
-    <p:sldId id="261" r:id="rId9"/>
-    <p:sldId id="262" r:id="rId10"/>
+    <p:sldId id="265" r:id="rId7"/>
+    <p:sldId id="259" r:id="rId8"/>
+    <p:sldId id="260" r:id="rId9"/>
+    <p:sldId id="261" r:id="rId10"/>
+    <p:sldId id="262" r:id="rId11"/>
   </p:sldIdLst>
   <p:sldSz cx="12192000" cy="6858000"/>
   <p:notesSz cx="6858000" cy="9144000"/>
@@ -267,7 +268,7 @@
           <a:p>
             <a:fld id="{C664B636-2587-524A-B764-235F773F446F}" type="datetimeFigureOut">
               <a:rPr lang="en-US" smtClean="0"/>
-              <a:t>8/8/21</a:t>
+              <a:t>8/10/21</a:t>
             </a:fld>
             <a:endParaRPr lang="en-US"/>
           </a:p>
@@ -465,7 +466,7 @@
           <a:p>
             <a:fld id="{C664B636-2587-524A-B764-235F773F446F}" type="datetimeFigureOut">
               <a:rPr lang="en-US" smtClean="0"/>
-              <a:t>8/8/21</a:t>
+              <a:t>8/10/21</a:t>
             </a:fld>
             <a:endParaRPr lang="en-US"/>
           </a:p>
@@ -673,7 +674,7 @@
           <a:p>
             <a:fld id="{C664B636-2587-524A-B764-235F773F446F}" type="datetimeFigureOut">
               <a:rPr lang="en-US" smtClean="0"/>
-              <a:t>8/8/21</a:t>
+              <a:t>8/10/21</a:t>
             </a:fld>
             <a:endParaRPr lang="en-US"/>
           </a:p>
@@ -871,7 +872,7 @@
           <a:p>
             <a:fld id="{C664B636-2587-524A-B764-235F773F446F}" type="datetimeFigureOut">
               <a:rPr lang="en-US" smtClean="0"/>
-              <a:t>8/8/21</a:t>
+              <a:t>8/10/21</a:t>
             </a:fld>
             <a:endParaRPr lang="en-US"/>
           </a:p>
@@ -1146,7 +1147,7 @@
           <a:p>
             <a:fld id="{C664B636-2587-524A-B764-235F773F446F}" type="datetimeFigureOut">
               <a:rPr lang="en-US" smtClean="0"/>
-              <a:t>8/8/21</a:t>
+              <a:t>8/10/21</a:t>
             </a:fld>
             <a:endParaRPr lang="en-US"/>
           </a:p>
@@ -1411,7 +1412,7 @@
           <a:p>
             <a:fld id="{C664B636-2587-524A-B764-235F773F446F}" type="datetimeFigureOut">
               <a:rPr lang="en-US" smtClean="0"/>
-              <a:t>8/8/21</a:t>
+              <a:t>8/10/21</a:t>
             </a:fld>
             <a:endParaRPr lang="en-US"/>
           </a:p>
@@ -1823,7 +1824,7 @@
           <a:p>
             <a:fld id="{C664B636-2587-524A-B764-235F773F446F}" type="datetimeFigureOut">
               <a:rPr lang="en-US" smtClean="0"/>
-              <a:t>8/8/21</a:t>
+              <a:t>8/10/21</a:t>
             </a:fld>
             <a:endParaRPr lang="en-US"/>
           </a:p>
@@ -1964,7 +1965,7 @@
           <a:p>
             <a:fld id="{C664B636-2587-524A-B764-235F773F446F}" type="datetimeFigureOut">
               <a:rPr lang="en-US" smtClean="0"/>
-              <a:t>8/8/21</a:t>
+              <a:t>8/10/21</a:t>
             </a:fld>
             <a:endParaRPr lang="en-US"/>
           </a:p>
@@ -2077,7 +2078,7 @@
           <a:p>
             <a:fld id="{C664B636-2587-524A-B764-235F773F446F}" type="datetimeFigureOut">
               <a:rPr lang="en-US" smtClean="0"/>
-              <a:t>8/8/21</a:t>
+              <a:t>8/10/21</a:t>
             </a:fld>
             <a:endParaRPr lang="en-US"/>
           </a:p>
@@ -2388,7 +2389,7 @@
           <a:p>
             <a:fld id="{C664B636-2587-524A-B764-235F773F446F}" type="datetimeFigureOut">
               <a:rPr lang="en-US" smtClean="0"/>
-              <a:t>8/8/21</a:t>
+              <a:t>8/10/21</a:t>
             </a:fld>
             <a:endParaRPr lang="en-US"/>
           </a:p>
@@ -2676,7 +2677,7 @@
           <a:p>
             <a:fld id="{C664B636-2587-524A-B764-235F773F446F}" type="datetimeFigureOut">
               <a:rPr lang="en-US" smtClean="0"/>
-              <a:t>8/8/21</a:t>
+              <a:t>8/10/21</a:t>
             </a:fld>
             <a:endParaRPr lang="en-US"/>
           </a:p>
@@ -2917,7 +2918,7 @@
           <a:p>
             <a:fld id="{C664B636-2587-524A-B764-235F773F446F}" type="datetimeFigureOut">
               <a:rPr lang="en-US" smtClean="0"/>
-              <a:t>8/8/21</a:t>
+              <a:t>8/10/21</a:t>
             </a:fld>
             <a:endParaRPr lang="en-US"/>
           </a:p>
@@ -3411,6 +3412,139 @@
 </p:sld>
 </file>
 
+<file path=ppt/slides/slide10.xml><?xml version="1.0" encoding="utf-8"?>
+<p:sld xmlns:a="http://schemas.openxmlformats.org/drawingml/2006/main" xmlns:r="http://schemas.openxmlformats.org/officeDocument/2006/relationships" xmlns:p="http://schemas.openxmlformats.org/presentationml/2006/main">
+  <p:cSld>
+    <p:spTree>
+      <p:nvGrpSpPr>
+        <p:cNvPr id="1" name=""/>
+        <p:cNvGrpSpPr/>
+        <p:nvPr/>
+      </p:nvGrpSpPr>
+      <p:grpSpPr>
+        <a:xfrm>
+          <a:off x="0" y="0"/>
+          <a:ext cx="0" cy="0"/>
+          <a:chOff x="0" y="0"/>
+          <a:chExt cx="0" cy="0"/>
+        </a:xfrm>
+      </p:grpSpPr>
+      <p:sp>
+        <p:nvSpPr>
+          <p:cNvPr id="2" name="Title 1">
+            <a:extLst>
+              <a:ext uri="{FF2B5EF4-FFF2-40B4-BE49-F238E27FC236}">
+                <a16:creationId xmlns:a16="http://schemas.microsoft.com/office/drawing/2014/main" id="{F53EE802-8401-8F47-9ADF-8E435DBC3DD6}"/>
+              </a:ext>
+            </a:extLst>
+          </p:cNvPr>
+          <p:cNvSpPr>
+            <a:spLocks noGrp="1"/>
+          </p:cNvSpPr>
+          <p:nvPr>
+            <p:ph type="title"/>
+          </p:nvPr>
+        </p:nvSpPr>
+        <p:spPr/>
+        <p:txBody>
+          <a:bodyPr>
+            <a:normAutofit/>
+          </a:bodyPr>
+          <a:lstStyle/>
+          <a:p>
+            <a:r>
+              <a:rPr lang="en-US" sz="4000" dirty="0"/>
+              <a:t>Prediction model choices</a:t>
+            </a:r>
+          </a:p>
+        </p:txBody>
+      </p:sp>
+      <p:sp>
+        <p:nvSpPr>
+          <p:cNvPr id="8" name="Content Placeholder 7">
+            <a:extLst>
+              <a:ext uri="{FF2B5EF4-FFF2-40B4-BE49-F238E27FC236}">
+                <a16:creationId xmlns:a16="http://schemas.microsoft.com/office/drawing/2014/main" id="{D566B7D0-C661-074C-AC30-8FC55E56B25C}"/>
+              </a:ext>
+            </a:extLst>
+          </p:cNvPr>
+          <p:cNvSpPr>
+            <a:spLocks noGrp="1"/>
+          </p:cNvSpPr>
+          <p:nvPr>
+            <p:ph idx="1"/>
+          </p:nvPr>
+        </p:nvSpPr>
+        <p:spPr/>
+        <p:txBody>
+          <a:bodyPr/>
+          <a:lstStyle/>
+          <a:p>
+            <a:r>
+              <a:rPr lang="en-US" dirty="0"/>
+              <a:t>Supervised learning</a:t>
+            </a:r>
+          </a:p>
+          <a:p>
+            <a:pPr lvl="1"/>
+            <a:r>
+              <a:rPr lang="en-US" dirty="0"/>
+              <a:t>Tree based model </a:t>
+            </a:r>
+          </a:p>
+          <a:p>
+            <a:r>
+              <a:rPr lang="en-US"/>
+              <a:t>Unsupervised </a:t>
+            </a:r>
+            <a:r>
+              <a:rPr lang="en-US" dirty="0"/>
+              <a:t>learning</a:t>
+            </a:r>
+          </a:p>
+          <a:p>
+            <a:pPr lvl="1"/>
+            <a:r>
+              <a:rPr lang="en-US" dirty="0"/>
+              <a:t>Embedding patients’ information</a:t>
+            </a:r>
+          </a:p>
+          <a:p>
+            <a:pPr lvl="1"/>
+            <a:r>
+              <a:rPr lang="en-US" dirty="0"/>
+              <a:t>May use LSH, etc.</a:t>
+            </a:r>
+          </a:p>
+          <a:p>
+            <a:pPr lvl="1"/>
+            <a:r>
+              <a:rPr lang="en-US" dirty="0"/>
+              <a:t>Using infected patients as seeds</a:t>
+            </a:r>
+          </a:p>
+          <a:p>
+            <a:pPr lvl="1"/>
+            <a:r>
+              <a:rPr lang="en-US" dirty="0"/>
+              <a:t>May consider utilizing dynamic time warping</a:t>
+            </a:r>
+          </a:p>
+        </p:txBody>
+      </p:sp>
+    </p:spTree>
+    <p:extLst>
+      <p:ext uri="{BB962C8B-B14F-4D97-AF65-F5344CB8AC3E}">
+        <p14:creationId xmlns:p14="http://schemas.microsoft.com/office/powerpoint/2010/main" val="1090393372"/>
+      </p:ext>
+    </p:extLst>
+  </p:cSld>
+  <p:clrMapOvr>
+    <a:masterClrMapping/>
+  </p:clrMapOvr>
+</p:sld>
+</file>
+
 <file path=ppt/slides/slide2.xml><?xml version="1.0" encoding="utf-8"?>
 <p:sld xmlns:a="http://schemas.openxmlformats.org/drawingml/2006/main" xmlns:r="http://schemas.openxmlformats.org/officeDocument/2006/relationships" xmlns:p="http://schemas.openxmlformats.org/presentationml/2006/main">
   <p:cSld>
@@ -7649,13 +7783,13 @@
           <p:nvPr>
             <p:extLst>
               <p:ext uri="{D42A27DB-BD31-4B8C-83A1-F6EECF244321}">
-                <p14:modId xmlns:p14="http://schemas.microsoft.com/office/powerpoint/2010/main" val="1418908222"/>
+                <p14:modId xmlns:p14="http://schemas.microsoft.com/office/powerpoint/2010/main" val="4079437119"/>
               </p:ext>
             </p:extLst>
           </p:nvPr>
         </p:nvGraphicFramePr>
         <p:xfrm>
-          <a:off x="7151607" y="1027906"/>
+          <a:off x="7072043" y="699351"/>
           <a:ext cx="4540935" cy="4379321"/>
         </p:xfrm>
         <a:graphic>
@@ -8640,6 +8774,127 @@
 </file>
 
 <file path=ppt/slides/slide6.xml><?xml version="1.0" encoding="utf-8"?>
+<p:sld xmlns:a="http://schemas.openxmlformats.org/drawingml/2006/main" xmlns:r="http://schemas.openxmlformats.org/officeDocument/2006/relationships" xmlns:p="http://schemas.openxmlformats.org/presentationml/2006/main">
+  <p:cSld>
+    <p:bg>
+      <p:bgPr>
+        <a:solidFill>
+          <a:schemeClr val="bg1"/>
+        </a:solidFill>
+        <a:effectLst/>
+      </p:bgPr>
+    </p:bg>
+    <p:spTree>
+      <p:nvGrpSpPr>
+        <p:cNvPr id="1" name=""/>
+        <p:cNvGrpSpPr/>
+        <p:nvPr/>
+      </p:nvGrpSpPr>
+      <p:grpSpPr>
+        <a:xfrm>
+          <a:off x="0" y="0"/>
+          <a:ext cx="0" cy="0"/>
+          <a:chOff x="0" y="0"/>
+          <a:chExt cx="0" cy="0"/>
+        </a:xfrm>
+      </p:grpSpPr>
+      <p:sp>
+        <p:nvSpPr>
+          <p:cNvPr id="2" name="Title 1">
+            <a:extLst>
+              <a:ext uri="{FF2B5EF4-FFF2-40B4-BE49-F238E27FC236}">
+                <a16:creationId xmlns:a16="http://schemas.microsoft.com/office/drawing/2014/main" id="{1A943C6B-CEEA-E448-9AAA-50EDC431286C}"/>
+              </a:ext>
+            </a:extLst>
+          </p:cNvPr>
+          <p:cNvSpPr>
+            <a:spLocks noGrp="1"/>
+          </p:cNvSpPr>
+          <p:nvPr>
+            <p:ph type="title"/>
+          </p:nvPr>
+        </p:nvSpPr>
+        <p:spPr>
+          <a:xfrm>
+            <a:off x="838199" y="291090"/>
+            <a:ext cx="10515599" cy="932688"/>
+          </a:xfrm>
+        </p:spPr>
+        <p:txBody>
+          <a:bodyPr vert="horz" lIns="91440" tIns="45720" rIns="91440" bIns="45720" rtlCol="0" anchor="b">
+            <a:normAutofit/>
+          </a:bodyPr>
+          <a:lstStyle/>
+          <a:p>
+            <a:r>
+              <a:rPr lang="en-US" sz="3600" kern="1200" dirty="0" err="1">
+                <a:solidFill>
+                  <a:schemeClr val="tx1"/>
+                </a:solidFill>
+                <a:latin typeface="+mj-lt"/>
+                <a:ea typeface="+mj-ea"/>
+                <a:cs typeface="+mj-cs"/>
+              </a:rPr>
+              <a:t>Shap</a:t>
+            </a:r>
+            <a:r>
+              <a:rPr lang="en-US" sz="3600" kern="1200" dirty="0">
+                <a:solidFill>
+                  <a:schemeClr val="tx1"/>
+                </a:solidFill>
+                <a:latin typeface="+mj-lt"/>
+                <a:ea typeface="+mj-ea"/>
+                <a:cs typeface="+mj-cs"/>
+              </a:rPr>
+              <a:t> plot</a:t>
+            </a:r>
+          </a:p>
+        </p:txBody>
+      </p:sp>
+      <p:pic>
+        <p:nvPicPr>
+          <p:cNvPr id="5" name="Picture 4" descr="A picture containing chart&#10;&#10;Description automatically generated">
+            <a:extLst>
+              <a:ext uri="{FF2B5EF4-FFF2-40B4-BE49-F238E27FC236}">
+                <a16:creationId xmlns:a16="http://schemas.microsoft.com/office/drawing/2014/main" id="{AAFD5A9C-3737-F44D-9D4E-6982CB3D8A9B}"/>
+              </a:ext>
+            </a:extLst>
+          </p:cNvPr>
+          <p:cNvPicPr>
+            <a:picLocks noChangeAspect="1"/>
+          </p:cNvPicPr>
+          <p:nvPr/>
+        </p:nvPicPr>
+        <p:blipFill>
+          <a:blip r:embed="rId2"/>
+          <a:stretch>
+            <a:fillRect/>
+          </a:stretch>
+        </p:blipFill>
+        <p:spPr>
+          <a:xfrm>
+            <a:off x="2901218" y="1863801"/>
+            <a:ext cx="6389562" cy="4440746"/>
+          </a:xfrm>
+          <a:prstGeom prst="rect">
+            <a:avLst/>
+          </a:prstGeom>
+        </p:spPr>
+      </p:pic>
+    </p:spTree>
+    <p:extLst>
+      <p:ext uri="{BB962C8B-B14F-4D97-AF65-F5344CB8AC3E}">
+        <p14:creationId xmlns:p14="http://schemas.microsoft.com/office/powerpoint/2010/main" val="2929723166"/>
+      </p:ext>
+    </p:extLst>
+  </p:cSld>
+  <p:clrMapOvr>
+    <a:masterClrMapping/>
+  </p:clrMapOvr>
+</p:sld>
+</file>
+
+<file path=ppt/slides/slide7.xml><?xml version="1.0" encoding="utf-8"?>
 <p:sld xmlns:a="http://schemas.openxmlformats.org/drawingml/2006/main" xmlns:r="http://schemas.openxmlformats.org/officeDocument/2006/relationships" xmlns:p="http://schemas.openxmlformats.org/presentationml/2006/main">
   <p:cSld>
     <p:spTree>
@@ -9464,7 +9719,7 @@
 </p:sld>
 </file>
 
-<file path=ppt/slides/slide7.xml><?xml version="1.0" encoding="utf-8"?>
+<file path=ppt/slides/slide8.xml><?xml version="1.0" encoding="utf-8"?>
 <p:sld xmlns:a="http://schemas.openxmlformats.org/drawingml/2006/main" xmlns:r="http://schemas.openxmlformats.org/officeDocument/2006/relationships" xmlns:p="http://schemas.openxmlformats.org/presentationml/2006/main">
   <p:cSld>
     <p:spTree>
@@ -11216,7 +11471,7 @@
 </p:sld>
 </file>
 
-<file path=ppt/slides/slide8.xml><?xml version="1.0" encoding="utf-8"?>
+<file path=ppt/slides/slide9.xml><?xml version="1.0" encoding="utf-8"?>
 <p:sld xmlns:a="http://schemas.openxmlformats.org/drawingml/2006/main" xmlns:r="http://schemas.openxmlformats.org/officeDocument/2006/relationships" xmlns:p="http://schemas.openxmlformats.org/presentationml/2006/main">
   <p:cSld>
     <p:spTree>
@@ -13330,139 +13585,6 @@
     <p:extLst>
       <p:ext uri="{BB962C8B-B14F-4D97-AF65-F5344CB8AC3E}">
         <p14:creationId xmlns:p14="http://schemas.microsoft.com/office/powerpoint/2010/main" val="491385185"/>
-      </p:ext>
-    </p:extLst>
-  </p:cSld>
-  <p:clrMapOvr>
-    <a:masterClrMapping/>
-  </p:clrMapOvr>
-</p:sld>
-</file>
-
-<file path=ppt/slides/slide9.xml><?xml version="1.0" encoding="utf-8"?>
-<p:sld xmlns:a="http://schemas.openxmlformats.org/drawingml/2006/main" xmlns:r="http://schemas.openxmlformats.org/officeDocument/2006/relationships" xmlns:p="http://schemas.openxmlformats.org/presentationml/2006/main">
-  <p:cSld>
-    <p:spTree>
-      <p:nvGrpSpPr>
-        <p:cNvPr id="1" name=""/>
-        <p:cNvGrpSpPr/>
-        <p:nvPr/>
-      </p:nvGrpSpPr>
-      <p:grpSpPr>
-        <a:xfrm>
-          <a:off x="0" y="0"/>
-          <a:ext cx="0" cy="0"/>
-          <a:chOff x="0" y="0"/>
-          <a:chExt cx="0" cy="0"/>
-        </a:xfrm>
-      </p:grpSpPr>
-      <p:sp>
-        <p:nvSpPr>
-          <p:cNvPr id="2" name="Title 1">
-            <a:extLst>
-              <a:ext uri="{FF2B5EF4-FFF2-40B4-BE49-F238E27FC236}">
-                <a16:creationId xmlns:a16="http://schemas.microsoft.com/office/drawing/2014/main" id="{F53EE802-8401-8F47-9ADF-8E435DBC3DD6}"/>
-              </a:ext>
-            </a:extLst>
-          </p:cNvPr>
-          <p:cNvSpPr>
-            <a:spLocks noGrp="1"/>
-          </p:cNvSpPr>
-          <p:nvPr>
-            <p:ph type="title"/>
-          </p:nvPr>
-        </p:nvSpPr>
-        <p:spPr/>
-        <p:txBody>
-          <a:bodyPr>
-            <a:normAutofit/>
-          </a:bodyPr>
-          <a:lstStyle/>
-          <a:p>
-            <a:r>
-              <a:rPr lang="en-US" sz="4000" dirty="0"/>
-              <a:t>Prediction model choices</a:t>
-            </a:r>
-          </a:p>
-        </p:txBody>
-      </p:sp>
-      <p:sp>
-        <p:nvSpPr>
-          <p:cNvPr id="8" name="Content Placeholder 7">
-            <a:extLst>
-              <a:ext uri="{FF2B5EF4-FFF2-40B4-BE49-F238E27FC236}">
-                <a16:creationId xmlns:a16="http://schemas.microsoft.com/office/drawing/2014/main" id="{D566B7D0-C661-074C-AC30-8FC55E56B25C}"/>
-              </a:ext>
-            </a:extLst>
-          </p:cNvPr>
-          <p:cNvSpPr>
-            <a:spLocks noGrp="1"/>
-          </p:cNvSpPr>
-          <p:nvPr>
-            <p:ph idx="1"/>
-          </p:nvPr>
-        </p:nvSpPr>
-        <p:spPr/>
-        <p:txBody>
-          <a:bodyPr/>
-          <a:lstStyle/>
-          <a:p>
-            <a:r>
-              <a:rPr lang="en-US" dirty="0"/>
-              <a:t>Supervised learning</a:t>
-            </a:r>
-          </a:p>
-          <a:p>
-            <a:pPr lvl="1"/>
-            <a:r>
-              <a:rPr lang="en-US" dirty="0"/>
-              <a:t>Tree based model </a:t>
-            </a:r>
-          </a:p>
-          <a:p>
-            <a:r>
-              <a:rPr lang="en-US"/>
-              <a:t>Unsupervised </a:t>
-            </a:r>
-            <a:r>
-              <a:rPr lang="en-US" dirty="0"/>
-              <a:t>learning</a:t>
-            </a:r>
-          </a:p>
-          <a:p>
-            <a:pPr lvl="1"/>
-            <a:r>
-              <a:rPr lang="en-US" dirty="0"/>
-              <a:t>Embedding patients’ information</a:t>
-            </a:r>
-          </a:p>
-          <a:p>
-            <a:pPr lvl="1"/>
-            <a:r>
-              <a:rPr lang="en-US" dirty="0"/>
-              <a:t>May use LSH, etc.</a:t>
-            </a:r>
-          </a:p>
-          <a:p>
-            <a:pPr lvl="1"/>
-            <a:r>
-              <a:rPr lang="en-US" dirty="0"/>
-              <a:t>Using infected patients as seeds</a:t>
-            </a:r>
-          </a:p>
-          <a:p>
-            <a:pPr lvl="1"/>
-            <a:r>
-              <a:rPr lang="en-US" dirty="0"/>
-              <a:t>May consider utilizing dynamic time warping</a:t>
-            </a:r>
-          </a:p>
-        </p:txBody>
-      </p:sp>
-    </p:spTree>
-    <p:extLst>
-      <p:ext uri="{BB962C8B-B14F-4D97-AF65-F5344CB8AC3E}">
-        <p14:creationId xmlns:p14="http://schemas.microsoft.com/office/powerpoint/2010/main" val="1090393372"/>
       </p:ext>
     </p:extLst>
   </p:cSld>
